--- a/paper/osiris_workflow.pptx
+++ b/paper/osiris_workflow.pptx
@@ -2,12 +2,12 @@
 <file path=ppt/presentation.xml><?xml version="1.0" encoding="utf-8"?>
 <p:presentation xmlns:a="http://schemas.openxmlformats.org/drawingml/2006/main" xmlns:r="http://schemas.openxmlformats.org/officeDocument/2006/relationships" xmlns:p="http://schemas.openxmlformats.org/presentationml/2006/main" saveSubsetFonts="1">
   <p:sldMasterIdLst>
-    <p:sldMasterId id="2147483684" r:id="rId1"/>
+    <p:sldMasterId id="2147483744" r:id="rId1"/>
   </p:sldMasterIdLst>
   <p:sldIdLst>
     <p:sldId id="256" r:id="rId2"/>
   </p:sldIdLst>
-  <p:sldSz cx="13258800" cy="10058400"/>
+  <p:sldSz cx="13258800" cy="3200400"/>
   <p:notesSz cx="6858000" cy="9144000"/>
   <p:defaultTextStyle>
     <a:defPPr>
@@ -104,6 +104,11 @@
       </a:defRPr>
     </a:lvl9pPr>
   </p:defaultTextStyle>
+  <p:extLst>
+    <p:ext uri="{EFAFB233-063F-42B5-8137-9DF3F51BA10A}">
+      <p15:sldGuideLst xmlns:p15="http://schemas.microsoft.com/office/powerpoint/2012/main"/>
+    </p:ext>
+  </p:extLst>
 </p:presentation>
 </file>
 
@@ -136,15 +141,15 @@
         </p:nvSpPr>
         <p:spPr>
           <a:xfrm>
-            <a:off x="994410" y="1646133"/>
-            <a:ext cx="11269980" cy="3501813"/>
+            <a:off x="1657350" y="523770"/>
+            <a:ext cx="9944100" cy="1114213"/>
           </a:xfrm>
         </p:spPr>
         <p:txBody>
           <a:bodyPr anchor="b"/>
           <a:lstStyle>
             <a:lvl1pPr algn="ctr">
-              <a:defRPr sz="8700"/>
+              <a:defRPr sz="2800"/>
             </a:lvl1pPr>
           </a:lstStyle>
           <a:p>
@@ -168,8 +173,8 @@
         </p:nvSpPr>
         <p:spPr>
           <a:xfrm>
-            <a:off x="1657350" y="5282989"/>
-            <a:ext cx="9944100" cy="2428451"/>
+            <a:off x="1657350" y="1680951"/>
+            <a:ext cx="9944100" cy="772689"/>
           </a:xfrm>
         </p:spPr>
         <p:txBody>
@@ -177,39 +182,39 @@
           <a:lstStyle>
             <a:lvl1pPr marL="0" indent="0" algn="ctr">
               <a:buNone/>
-              <a:defRPr sz="3480"/>
+              <a:defRPr sz="1120"/>
             </a:lvl1pPr>
-            <a:lvl2pPr marL="662940" indent="0" algn="ctr">
-              <a:buNone/>
-              <a:defRPr sz="2900"/>
+            <a:lvl2pPr marL="213375" indent="0" algn="ctr">
+              <a:buNone/>
+              <a:defRPr sz="933"/>
             </a:lvl2pPr>
-            <a:lvl3pPr marL="1325880" indent="0" algn="ctr">
-              <a:buNone/>
-              <a:defRPr sz="2610"/>
+            <a:lvl3pPr marL="426750" indent="0" algn="ctr">
+              <a:buNone/>
+              <a:defRPr sz="840"/>
             </a:lvl3pPr>
-            <a:lvl4pPr marL="1988820" indent="0" algn="ctr">
-              <a:buNone/>
-              <a:defRPr sz="2320"/>
+            <a:lvl4pPr marL="640126" indent="0" algn="ctr">
+              <a:buNone/>
+              <a:defRPr sz="747"/>
             </a:lvl4pPr>
-            <a:lvl5pPr marL="2651760" indent="0" algn="ctr">
-              <a:buNone/>
-              <a:defRPr sz="2320"/>
+            <a:lvl5pPr marL="853501" indent="0" algn="ctr">
+              <a:buNone/>
+              <a:defRPr sz="747"/>
             </a:lvl5pPr>
-            <a:lvl6pPr marL="3314700" indent="0" algn="ctr">
-              <a:buNone/>
-              <a:defRPr sz="2320"/>
+            <a:lvl6pPr marL="1066876" indent="0" algn="ctr">
+              <a:buNone/>
+              <a:defRPr sz="747"/>
             </a:lvl6pPr>
-            <a:lvl7pPr marL="3977640" indent="0" algn="ctr">
-              <a:buNone/>
-              <a:defRPr sz="2320"/>
+            <a:lvl7pPr marL="1280251" indent="0" algn="ctr">
+              <a:buNone/>
+              <a:defRPr sz="747"/>
             </a:lvl7pPr>
-            <a:lvl8pPr marL="4640580" indent="0" algn="ctr">
-              <a:buNone/>
-              <a:defRPr sz="2320"/>
+            <a:lvl8pPr marL="1493627" indent="0" algn="ctr">
+              <a:buNone/>
+              <a:defRPr sz="747"/>
             </a:lvl8pPr>
-            <a:lvl9pPr marL="5303520" indent="0" algn="ctr">
-              <a:buNone/>
-              <a:defRPr sz="2320"/>
+            <a:lvl9pPr marL="1707002" indent="0" algn="ctr">
+              <a:buNone/>
+              <a:defRPr sz="747"/>
             </a:lvl9pPr>
           </a:lstStyle>
           <a:p>
@@ -238,7 +243,7 @@
           <a:p>
             <a:fld id="{062C32FD-3345-49D3-8557-5864A615BC2F}" type="datetimeFigureOut">
               <a:rPr lang="en-US" smtClean="0"/>
-              <a:t>2/9/2023</a:t>
+              <a:t>2/22/2023</a:t>
             </a:fld>
             <a:endParaRPr lang="en-US"/>
           </a:p>
@@ -289,7 +294,7 @@
     </p:spTree>
     <p:extLst>
       <p:ext uri="{BB962C8B-B14F-4D97-AF65-F5344CB8AC3E}">
-        <p14:creationId xmlns:p14="http://schemas.microsoft.com/office/powerpoint/2010/main" val="1436488761"/>
+        <p14:creationId xmlns:p14="http://schemas.microsoft.com/office/powerpoint/2010/main" val="396645129"/>
       </p:ext>
     </p:extLst>
   </p:cSld>
@@ -408,7 +413,7 @@
           <a:p>
             <a:fld id="{062C32FD-3345-49D3-8557-5864A615BC2F}" type="datetimeFigureOut">
               <a:rPr lang="en-US" smtClean="0"/>
-              <a:t>2/9/2023</a:t>
+              <a:t>2/22/2023</a:t>
             </a:fld>
             <a:endParaRPr lang="en-US"/>
           </a:p>
@@ -459,7 +464,7 @@
     </p:spTree>
     <p:extLst>
       <p:ext uri="{BB962C8B-B14F-4D97-AF65-F5344CB8AC3E}">
-        <p14:creationId xmlns:p14="http://schemas.microsoft.com/office/powerpoint/2010/main" val="4294798032"/>
+        <p14:creationId xmlns:p14="http://schemas.microsoft.com/office/powerpoint/2010/main" val="552962579"/>
       </p:ext>
     </p:extLst>
   </p:cSld>
@@ -498,8 +503,8 @@
         </p:nvSpPr>
         <p:spPr>
           <a:xfrm>
-            <a:off x="9488329" y="535517"/>
-            <a:ext cx="2858929" cy="8524029"/>
+            <a:off x="9488329" y="170392"/>
+            <a:ext cx="2858929" cy="2712191"/>
           </a:xfrm>
         </p:spPr>
         <p:txBody>
@@ -526,8 +531,8 @@
         </p:nvSpPr>
         <p:spPr>
           <a:xfrm>
-            <a:off x="911543" y="535517"/>
-            <a:ext cx="8411051" cy="8524029"/>
+            <a:off x="911543" y="170392"/>
+            <a:ext cx="8411051" cy="2712191"/>
           </a:xfrm>
         </p:spPr>
         <p:txBody>
@@ -588,7 +593,7 @@
           <a:p>
             <a:fld id="{062C32FD-3345-49D3-8557-5864A615BC2F}" type="datetimeFigureOut">
               <a:rPr lang="en-US" smtClean="0"/>
-              <a:t>2/9/2023</a:t>
+              <a:t>2/22/2023</a:t>
             </a:fld>
             <a:endParaRPr lang="en-US"/>
           </a:p>
@@ -639,7 +644,7 @@
     </p:spTree>
     <p:extLst>
       <p:ext uri="{BB962C8B-B14F-4D97-AF65-F5344CB8AC3E}">
-        <p14:creationId xmlns:p14="http://schemas.microsoft.com/office/powerpoint/2010/main" val="2961373553"/>
+        <p14:creationId xmlns:p14="http://schemas.microsoft.com/office/powerpoint/2010/main" val="3565122810"/>
       </p:ext>
     </p:extLst>
   </p:cSld>
@@ -758,7 +763,7 @@
           <a:p>
             <a:fld id="{062C32FD-3345-49D3-8557-5864A615BC2F}" type="datetimeFigureOut">
               <a:rPr lang="en-US" smtClean="0"/>
-              <a:t>2/9/2023</a:t>
+              <a:t>2/22/2023</a:t>
             </a:fld>
             <a:endParaRPr lang="en-US"/>
           </a:p>
@@ -809,7 +814,7 @@
     </p:spTree>
     <p:extLst>
       <p:ext uri="{BB962C8B-B14F-4D97-AF65-F5344CB8AC3E}">
-        <p14:creationId xmlns:p14="http://schemas.microsoft.com/office/powerpoint/2010/main" val="3538399482"/>
+        <p14:creationId xmlns:p14="http://schemas.microsoft.com/office/powerpoint/2010/main" val="566111317"/>
       </p:ext>
     </p:extLst>
   </p:cSld>
@@ -848,15 +853,15 @@
         </p:nvSpPr>
         <p:spPr>
           <a:xfrm>
-            <a:off x="904638" y="2507618"/>
-            <a:ext cx="11435715" cy="4184014"/>
+            <a:off x="904637" y="797878"/>
+            <a:ext cx="11435715" cy="1331277"/>
           </a:xfrm>
         </p:spPr>
         <p:txBody>
           <a:bodyPr anchor="b"/>
           <a:lstStyle>
             <a:lvl1pPr>
-              <a:defRPr sz="8700"/>
+              <a:defRPr sz="2800"/>
             </a:lvl1pPr>
           </a:lstStyle>
           <a:p>
@@ -880,8 +885,8 @@
         </p:nvSpPr>
         <p:spPr>
           <a:xfrm>
-            <a:off x="904638" y="6731215"/>
-            <a:ext cx="11435715" cy="2200274"/>
+            <a:off x="904637" y="2141750"/>
+            <a:ext cx="11435715" cy="700087"/>
           </a:xfrm>
         </p:spPr>
         <p:txBody>
@@ -889,15 +894,17 @@
           <a:lstStyle>
             <a:lvl1pPr marL="0" indent="0">
               <a:buNone/>
-              <a:defRPr sz="3480">
+              <a:defRPr sz="1120">
                 <a:solidFill>
-                  <a:schemeClr val="tx1"/>
+                  <a:schemeClr val="tx1">
+                    <a:tint val="75000"/>
+                  </a:schemeClr>
                 </a:solidFill>
               </a:defRPr>
             </a:lvl1pPr>
-            <a:lvl2pPr marL="662940" indent="0">
-              <a:buNone/>
-              <a:defRPr sz="2900">
+            <a:lvl2pPr marL="213375" indent="0">
+              <a:buNone/>
+              <a:defRPr sz="933">
                 <a:solidFill>
                   <a:schemeClr val="tx1">
                     <a:tint val="75000"/>
@@ -905,9 +912,9 @@
                 </a:solidFill>
               </a:defRPr>
             </a:lvl2pPr>
-            <a:lvl3pPr marL="1325880" indent="0">
-              <a:buNone/>
-              <a:defRPr sz="2610">
+            <a:lvl3pPr marL="426750" indent="0">
+              <a:buNone/>
+              <a:defRPr sz="840">
                 <a:solidFill>
                   <a:schemeClr val="tx1">
                     <a:tint val="75000"/>
@@ -915,9 +922,9 @@
                 </a:solidFill>
               </a:defRPr>
             </a:lvl3pPr>
-            <a:lvl4pPr marL="1988820" indent="0">
-              <a:buNone/>
-              <a:defRPr sz="2320">
+            <a:lvl4pPr marL="640126" indent="0">
+              <a:buNone/>
+              <a:defRPr sz="747">
                 <a:solidFill>
                   <a:schemeClr val="tx1">
                     <a:tint val="75000"/>
@@ -925,9 +932,9 @@
                 </a:solidFill>
               </a:defRPr>
             </a:lvl4pPr>
-            <a:lvl5pPr marL="2651760" indent="0">
-              <a:buNone/>
-              <a:defRPr sz="2320">
+            <a:lvl5pPr marL="853501" indent="0">
+              <a:buNone/>
+              <a:defRPr sz="747">
                 <a:solidFill>
                   <a:schemeClr val="tx1">
                     <a:tint val="75000"/>
@@ -935,9 +942,9 @@
                 </a:solidFill>
               </a:defRPr>
             </a:lvl5pPr>
-            <a:lvl6pPr marL="3314700" indent="0">
-              <a:buNone/>
-              <a:defRPr sz="2320">
+            <a:lvl6pPr marL="1066876" indent="0">
+              <a:buNone/>
+              <a:defRPr sz="747">
                 <a:solidFill>
                   <a:schemeClr val="tx1">
                     <a:tint val="75000"/>
@@ -945,9 +952,9 @@
                 </a:solidFill>
               </a:defRPr>
             </a:lvl6pPr>
-            <a:lvl7pPr marL="3977640" indent="0">
-              <a:buNone/>
-              <a:defRPr sz="2320">
+            <a:lvl7pPr marL="1280251" indent="0">
+              <a:buNone/>
+              <a:defRPr sz="747">
                 <a:solidFill>
                   <a:schemeClr val="tx1">
                     <a:tint val="75000"/>
@@ -955,9 +962,9 @@
                 </a:solidFill>
               </a:defRPr>
             </a:lvl7pPr>
-            <a:lvl8pPr marL="4640580" indent="0">
-              <a:buNone/>
-              <a:defRPr sz="2320">
+            <a:lvl8pPr marL="1493627" indent="0">
+              <a:buNone/>
+              <a:defRPr sz="747">
                 <a:solidFill>
                   <a:schemeClr val="tx1">
                     <a:tint val="75000"/>
@@ -965,9 +972,9 @@
                 </a:solidFill>
               </a:defRPr>
             </a:lvl8pPr>
-            <a:lvl9pPr marL="5303520" indent="0">
-              <a:buNone/>
-              <a:defRPr sz="2320">
+            <a:lvl9pPr marL="1707002" indent="0">
+              <a:buNone/>
+              <a:defRPr sz="747">
                 <a:solidFill>
                   <a:schemeClr val="tx1">
                     <a:tint val="75000"/>
@@ -1002,7 +1009,7 @@
           <a:p>
             <a:fld id="{062C32FD-3345-49D3-8557-5864A615BC2F}" type="datetimeFigureOut">
               <a:rPr lang="en-US" smtClean="0"/>
-              <a:t>2/9/2023</a:t>
+              <a:t>2/22/2023</a:t>
             </a:fld>
             <a:endParaRPr lang="en-US"/>
           </a:p>
@@ -1053,7 +1060,7 @@
     </p:spTree>
     <p:extLst>
       <p:ext uri="{BB962C8B-B14F-4D97-AF65-F5344CB8AC3E}">
-        <p14:creationId xmlns:p14="http://schemas.microsoft.com/office/powerpoint/2010/main" val="3564522608"/>
+        <p14:creationId xmlns:p14="http://schemas.microsoft.com/office/powerpoint/2010/main" val="3018403556"/>
       </p:ext>
     </p:extLst>
   </p:cSld>
@@ -1115,8 +1122,8 @@
         </p:nvSpPr>
         <p:spPr>
           <a:xfrm>
-            <a:off x="911543" y="2677584"/>
-            <a:ext cx="5634990" cy="6381962"/>
+            <a:off x="911543" y="851959"/>
+            <a:ext cx="5634990" cy="2030624"/>
           </a:xfrm>
         </p:spPr>
         <p:txBody>
@@ -1172,8 +1179,8 @@
         </p:nvSpPr>
         <p:spPr>
           <a:xfrm>
-            <a:off x="6712268" y="2677584"/>
-            <a:ext cx="5634990" cy="6381962"/>
+            <a:off x="6712268" y="851959"/>
+            <a:ext cx="5634990" cy="2030624"/>
           </a:xfrm>
         </p:spPr>
         <p:txBody>
@@ -1234,7 +1241,7 @@
           <a:p>
             <a:fld id="{062C32FD-3345-49D3-8557-5864A615BC2F}" type="datetimeFigureOut">
               <a:rPr lang="en-US" smtClean="0"/>
-              <a:t>2/9/2023</a:t>
+              <a:t>2/22/2023</a:t>
             </a:fld>
             <a:endParaRPr lang="en-US"/>
           </a:p>
@@ -1285,7 +1292,7 @@
     </p:spTree>
     <p:extLst>
       <p:ext uri="{BB962C8B-B14F-4D97-AF65-F5344CB8AC3E}">
-        <p14:creationId xmlns:p14="http://schemas.microsoft.com/office/powerpoint/2010/main" val="1588214927"/>
+        <p14:creationId xmlns:p14="http://schemas.microsoft.com/office/powerpoint/2010/main" val="2519294216"/>
       </p:ext>
     </p:extLst>
   </p:cSld>
@@ -1324,8 +1331,8 @@
         </p:nvSpPr>
         <p:spPr>
           <a:xfrm>
-            <a:off x="913269" y="535519"/>
-            <a:ext cx="11435715" cy="1944159"/>
+            <a:off x="913269" y="170392"/>
+            <a:ext cx="11435715" cy="618596"/>
           </a:xfrm>
         </p:spPr>
         <p:txBody>
@@ -1352,8 +1359,8 @@
         </p:nvSpPr>
         <p:spPr>
           <a:xfrm>
-            <a:off x="913271" y="2465706"/>
-            <a:ext cx="5609093" cy="1208404"/>
+            <a:off x="913270" y="784543"/>
+            <a:ext cx="5609093" cy="384492"/>
           </a:xfrm>
         </p:spPr>
         <p:txBody>
@@ -1361,39 +1368,39 @@
           <a:lstStyle>
             <a:lvl1pPr marL="0" indent="0">
               <a:buNone/>
-              <a:defRPr sz="3480" b="1"/>
+              <a:defRPr sz="1120" b="1"/>
             </a:lvl1pPr>
-            <a:lvl2pPr marL="662940" indent="0">
-              <a:buNone/>
-              <a:defRPr sz="2900" b="1"/>
+            <a:lvl2pPr marL="213375" indent="0">
+              <a:buNone/>
+              <a:defRPr sz="933" b="1"/>
             </a:lvl2pPr>
-            <a:lvl3pPr marL="1325880" indent="0">
-              <a:buNone/>
-              <a:defRPr sz="2610" b="1"/>
+            <a:lvl3pPr marL="426750" indent="0">
+              <a:buNone/>
+              <a:defRPr sz="840" b="1"/>
             </a:lvl3pPr>
-            <a:lvl4pPr marL="1988820" indent="0">
-              <a:buNone/>
-              <a:defRPr sz="2320" b="1"/>
+            <a:lvl4pPr marL="640126" indent="0">
+              <a:buNone/>
+              <a:defRPr sz="747" b="1"/>
             </a:lvl4pPr>
-            <a:lvl5pPr marL="2651760" indent="0">
-              <a:buNone/>
-              <a:defRPr sz="2320" b="1"/>
+            <a:lvl5pPr marL="853501" indent="0">
+              <a:buNone/>
+              <a:defRPr sz="747" b="1"/>
             </a:lvl5pPr>
-            <a:lvl6pPr marL="3314700" indent="0">
-              <a:buNone/>
-              <a:defRPr sz="2320" b="1"/>
+            <a:lvl6pPr marL="1066876" indent="0">
+              <a:buNone/>
+              <a:defRPr sz="747" b="1"/>
             </a:lvl6pPr>
-            <a:lvl7pPr marL="3977640" indent="0">
-              <a:buNone/>
-              <a:defRPr sz="2320" b="1"/>
+            <a:lvl7pPr marL="1280251" indent="0">
+              <a:buNone/>
+              <a:defRPr sz="747" b="1"/>
             </a:lvl7pPr>
-            <a:lvl8pPr marL="4640580" indent="0">
-              <a:buNone/>
-              <a:defRPr sz="2320" b="1"/>
+            <a:lvl8pPr marL="1493627" indent="0">
+              <a:buNone/>
+              <a:defRPr sz="747" b="1"/>
             </a:lvl8pPr>
-            <a:lvl9pPr marL="5303520" indent="0">
-              <a:buNone/>
-              <a:defRPr sz="2320" b="1"/>
+            <a:lvl9pPr marL="1707002" indent="0">
+              <a:buNone/>
+              <a:defRPr sz="747" b="1"/>
             </a:lvl9pPr>
           </a:lstStyle>
           <a:p>
@@ -1417,8 +1424,8 @@
         </p:nvSpPr>
         <p:spPr>
           <a:xfrm>
-            <a:off x="913271" y="3674110"/>
-            <a:ext cx="5609093" cy="5404062"/>
+            <a:off x="913270" y="1169035"/>
+            <a:ext cx="5609093" cy="1719474"/>
           </a:xfrm>
         </p:spPr>
         <p:txBody>
@@ -1474,8 +1481,8 @@
         </p:nvSpPr>
         <p:spPr>
           <a:xfrm>
-            <a:off x="6712268" y="2465706"/>
-            <a:ext cx="5636717" cy="1208404"/>
+            <a:off x="6712267" y="784543"/>
+            <a:ext cx="5636717" cy="384492"/>
           </a:xfrm>
         </p:spPr>
         <p:txBody>
@@ -1483,39 +1490,39 @@
           <a:lstStyle>
             <a:lvl1pPr marL="0" indent="0">
               <a:buNone/>
-              <a:defRPr sz="3480" b="1"/>
+              <a:defRPr sz="1120" b="1"/>
             </a:lvl1pPr>
-            <a:lvl2pPr marL="662940" indent="0">
-              <a:buNone/>
-              <a:defRPr sz="2900" b="1"/>
+            <a:lvl2pPr marL="213375" indent="0">
+              <a:buNone/>
+              <a:defRPr sz="933" b="1"/>
             </a:lvl2pPr>
-            <a:lvl3pPr marL="1325880" indent="0">
-              <a:buNone/>
-              <a:defRPr sz="2610" b="1"/>
+            <a:lvl3pPr marL="426750" indent="0">
+              <a:buNone/>
+              <a:defRPr sz="840" b="1"/>
             </a:lvl3pPr>
-            <a:lvl4pPr marL="1988820" indent="0">
-              <a:buNone/>
-              <a:defRPr sz="2320" b="1"/>
+            <a:lvl4pPr marL="640126" indent="0">
+              <a:buNone/>
+              <a:defRPr sz="747" b="1"/>
             </a:lvl4pPr>
-            <a:lvl5pPr marL="2651760" indent="0">
-              <a:buNone/>
-              <a:defRPr sz="2320" b="1"/>
+            <a:lvl5pPr marL="853501" indent="0">
+              <a:buNone/>
+              <a:defRPr sz="747" b="1"/>
             </a:lvl5pPr>
-            <a:lvl6pPr marL="3314700" indent="0">
-              <a:buNone/>
-              <a:defRPr sz="2320" b="1"/>
+            <a:lvl6pPr marL="1066876" indent="0">
+              <a:buNone/>
+              <a:defRPr sz="747" b="1"/>
             </a:lvl6pPr>
-            <a:lvl7pPr marL="3977640" indent="0">
-              <a:buNone/>
-              <a:defRPr sz="2320" b="1"/>
+            <a:lvl7pPr marL="1280251" indent="0">
+              <a:buNone/>
+              <a:defRPr sz="747" b="1"/>
             </a:lvl7pPr>
-            <a:lvl8pPr marL="4640580" indent="0">
-              <a:buNone/>
-              <a:defRPr sz="2320" b="1"/>
+            <a:lvl8pPr marL="1493627" indent="0">
+              <a:buNone/>
+              <a:defRPr sz="747" b="1"/>
             </a:lvl8pPr>
-            <a:lvl9pPr marL="5303520" indent="0">
-              <a:buNone/>
-              <a:defRPr sz="2320" b="1"/>
+            <a:lvl9pPr marL="1707002" indent="0">
+              <a:buNone/>
+              <a:defRPr sz="747" b="1"/>
             </a:lvl9pPr>
           </a:lstStyle>
           <a:p>
@@ -1539,8 +1546,8 @@
         </p:nvSpPr>
         <p:spPr>
           <a:xfrm>
-            <a:off x="6712268" y="3674110"/>
-            <a:ext cx="5636717" cy="5404062"/>
+            <a:off x="6712267" y="1169035"/>
+            <a:ext cx="5636717" cy="1719474"/>
           </a:xfrm>
         </p:spPr>
         <p:txBody>
@@ -1601,7 +1608,7 @@
           <a:p>
             <a:fld id="{062C32FD-3345-49D3-8557-5864A615BC2F}" type="datetimeFigureOut">
               <a:rPr lang="en-US" smtClean="0"/>
-              <a:t>2/9/2023</a:t>
+              <a:t>2/22/2023</a:t>
             </a:fld>
             <a:endParaRPr lang="en-US"/>
           </a:p>
@@ -1652,7 +1659,7 @@
     </p:spTree>
     <p:extLst>
       <p:ext uri="{BB962C8B-B14F-4D97-AF65-F5344CB8AC3E}">
-        <p14:creationId xmlns:p14="http://schemas.microsoft.com/office/powerpoint/2010/main" val="2887913655"/>
+        <p14:creationId xmlns:p14="http://schemas.microsoft.com/office/powerpoint/2010/main" val="1918399526"/>
       </p:ext>
     </p:extLst>
   </p:cSld>
@@ -1719,7 +1726,7 @@
           <a:p>
             <a:fld id="{062C32FD-3345-49D3-8557-5864A615BC2F}" type="datetimeFigureOut">
               <a:rPr lang="en-US" smtClean="0"/>
-              <a:t>2/9/2023</a:t>
+              <a:t>2/22/2023</a:t>
             </a:fld>
             <a:endParaRPr lang="en-US"/>
           </a:p>
@@ -1770,7 +1777,7 @@
     </p:spTree>
     <p:extLst>
       <p:ext uri="{BB962C8B-B14F-4D97-AF65-F5344CB8AC3E}">
-        <p14:creationId xmlns:p14="http://schemas.microsoft.com/office/powerpoint/2010/main" val="206048330"/>
+        <p14:creationId xmlns:p14="http://schemas.microsoft.com/office/powerpoint/2010/main" val="3093519445"/>
       </p:ext>
     </p:extLst>
   </p:cSld>
@@ -1814,7 +1821,7 @@
           <a:p>
             <a:fld id="{062C32FD-3345-49D3-8557-5864A615BC2F}" type="datetimeFigureOut">
               <a:rPr lang="en-US" smtClean="0"/>
-              <a:t>2/9/2023</a:t>
+              <a:t>2/22/2023</a:t>
             </a:fld>
             <a:endParaRPr lang="en-US"/>
           </a:p>
@@ -1865,7 +1872,7 @@
     </p:spTree>
     <p:extLst>
       <p:ext uri="{BB962C8B-B14F-4D97-AF65-F5344CB8AC3E}">
-        <p14:creationId xmlns:p14="http://schemas.microsoft.com/office/powerpoint/2010/main" val="2805704806"/>
+        <p14:creationId xmlns:p14="http://schemas.microsoft.com/office/powerpoint/2010/main" val="185731306"/>
       </p:ext>
     </p:extLst>
   </p:cSld>
@@ -1904,15 +1911,15 @@
         </p:nvSpPr>
         <p:spPr>
           <a:xfrm>
-            <a:off x="913270" y="670560"/>
-            <a:ext cx="4276308" cy="2346960"/>
+            <a:off x="913270" y="213360"/>
+            <a:ext cx="4276308" cy="746760"/>
           </a:xfrm>
         </p:spPr>
         <p:txBody>
           <a:bodyPr anchor="b"/>
           <a:lstStyle>
             <a:lvl1pPr>
-              <a:defRPr sz="4640"/>
+              <a:defRPr sz="1493"/>
             </a:lvl1pPr>
           </a:lstStyle>
           <a:p>
@@ -1936,39 +1943,39 @@
         </p:nvSpPr>
         <p:spPr>
           <a:xfrm>
-            <a:off x="5636717" y="1448226"/>
-            <a:ext cx="6712268" cy="7147983"/>
+            <a:off x="5636717" y="460799"/>
+            <a:ext cx="6712268" cy="2274358"/>
           </a:xfrm>
         </p:spPr>
         <p:txBody>
           <a:bodyPr/>
           <a:lstStyle>
             <a:lvl1pPr>
-              <a:defRPr sz="4640"/>
+              <a:defRPr sz="1493"/>
             </a:lvl1pPr>
             <a:lvl2pPr>
-              <a:defRPr sz="4060"/>
+              <a:defRPr sz="1307"/>
             </a:lvl2pPr>
             <a:lvl3pPr>
-              <a:defRPr sz="3480"/>
+              <a:defRPr sz="1120"/>
             </a:lvl3pPr>
             <a:lvl4pPr>
-              <a:defRPr sz="2900"/>
+              <a:defRPr sz="933"/>
             </a:lvl4pPr>
             <a:lvl5pPr>
-              <a:defRPr sz="2900"/>
+              <a:defRPr sz="933"/>
             </a:lvl5pPr>
             <a:lvl6pPr>
-              <a:defRPr sz="2900"/>
+              <a:defRPr sz="933"/>
             </a:lvl6pPr>
             <a:lvl7pPr>
-              <a:defRPr sz="2900"/>
+              <a:defRPr sz="933"/>
             </a:lvl7pPr>
             <a:lvl8pPr>
-              <a:defRPr sz="2900"/>
+              <a:defRPr sz="933"/>
             </a:lvl8pPr>
             <a:lvl9pPr>
-              <a:defRPr sz="2900"/>
+              <a:defRPr sz="933"/>
             </a:lvl9pPr>
           </a:lstStyle>
           <a:p>
@@ -2021,8 +2028,8 @@
         </p:nvSpPr>
         <p:spPr>
           <a:xfrm>
-            <a:off x="913270" y="3017520"/>
-            <a:ext cx="4276308" cy="5590329"/>
+            <a:off x="913270" y="960120"/>
+            <a:ext cx="4276308" cy="1778741"/>
           </a:xfrm>
         </p:spPr>
         <p:txBody>
@@ -2030,39 +2037,39 @@
           <a:lstStyle>
             <a:lvl1pPr marL="0" indent="0">
               <a:buNone/>
-              <a:defRPr sz="2320"/>
+              <a:defRPr sz="747"/>
             </a:lvl1pPr>
-            <a:lvl2pPr marL="662940" indent="0">
-              <a:buNone/>
-              <a:defRPr sz="2030"/>
+            <a:lvl2pPr marL="213375" indent="0">
+              <a:buNone/>
+              <a:defRPr sz="653"/>
             </a:lvl2pPr>
-            <a:lvl3pPr marL="1325880" indent="0">
-              <a:buNone/>
-              <a:defRPr sz="1740"/>
+            <a:lvl3pPr marL="426750" indent="0">
+              <a:buNone/>
+              <a:defRPr sz="560"/>
             </a:lvl3pPr>
-            <a:lvl4pPr marL="1988820" indent="0">
-              <a:buNone/>
-              <a:defRPr sz="1450"/>
+            <a:lvl4pPr marL="640126" indent="0">
+              <a:buNone/>
+              <a:defRPr sz="467"/>
             </a:lvl4pPr>
-            <a:lvl5pPr marL="2651760" indent="0">
-              <a:buNone/>
-              <a:defRPr sz="1450"/>
+            <a:lvl5pPr marL="853501" indent="0">
+              <a:buNone/>
+              <a:defRPr sz="467"/>
             </a:lvl5pPr>
-            <a:lvl6pPr marL="3314700" indent="0">
-              <a:buNone/>
-              <a:defRPr sz="1450"/>
+            <a:lvl6pPr marL="1066876" indent="0">
+              <a:buNone/>
+              <a:defRPr sz="467"/>
             </a:lvl6pPr>
-            <a:lvl7pPr marL="3977640" indent="0">
-              <a:buNone/>
-              <a:defRPr sz="1450"/>
+            <a:lvl7pPr marL="1280251" indent="0">
+              <a:buNone/>
+              <a:defRPr sz="467"/>
             </a:lvl7pPr>
-            <a:lvl8pPr marL="4640580" indent="0">
-              <a:buNone/>
-              <a:defRPr sz="1450"/>
+            <a:lvl8pPr marL="1493627" indent="0">
+              <a:buNone/>
+              <a:defRPr sz="467"/>
             </a:lvl8pPr>
-            <a:lvl9pPr marL="5303520" indent="0">
-              <a:buNone/>
-              <a:defRPr sz="1450"/>
+            <a:lvl9pPr marL="1707002" indent="0">
+              <a:buNone/>
+              <a:defRPr sz="467"/>
             </a:lvl9pPr>
           </a:lstStyle>
           <a:p>
@@ -2091,7 +2098,7 @@
           <a:p>
             <a:fld id="{062C32FD-3345-49D3-8557-5864A615BC2F}" type="datetimeFigureOut">
               <a:rPr lang="en-US" smtClean="0"/>
-              <a:t>2/9/2023</a:t>
+              <a:t>2/22/2023</a:t>
             </a:fld>
             <a:endParaRPr lang="en-US"/>
           </a:p>
@@ -2142,7 +2149,7 @@
     </p:spTree>
     <p:extLst>
       <p:ext uri="{BB962C8B-B14F-4D97-AF65-F5344CB8AC3E}">
-        <p14:creationId xmlns:p14="http://schemas.microsoft.com/office/powerpoint/2010/main" val="1942128880"/>
+        <p14:creationId xmlns:p14="http://schemas.microsoft.com/office/powerpoint/2010/main" val="3045303157"/>
       </p:ext>
     </p:extLst>
   </p:cSld>
@@ -2181,15 +2188,15 @@
         </p:nvSpPr>
         <p:spPr>
           <a:xfrm>
-            <a:off x="913270" y="670560"/>
-            <a:ext cx="4276308" cy="2346960"/>
+            <a:off x="913270" y="213360"/>
+            <a:ext cx="4276308" cy="746760"/>
           </a:xfrm>
         </p:spPr>
         <p:txBody>
           <a:bodyPr anchor="b"/>
           <a:lstStyle>
             <a:lvl1pPr>
-              <a:defRPr sz="4640"/>
+              <a:defRPr sz="1493"/>
             </a:lvl1pPr>
           </a:lstStyle>
           <a:p>
@@ -2213,8 +2220,8 @@
         </p:nvSpPr>
         <p:spPr>
           <a:xfrm>
-            <a:off x="5636717" y="1448226"/>
-            <a:ext cx="6712268" cy="7147983"/>
+            <a:off x="5636717" y="460799"/>
+            <a:ext cx="6712268" cy="2274358"/>
           </a:xfrm>
         </p:spPr>
         <p:txBody>
@@ -2222,39 +2229,39 @@
           <a:lstStyle>
             <a:lvl1pPr marL="0" indent="0">
               <a:buNone/>
-              <a:defRPr sz="4640"/>
+              <a:defRPr sz="1493"/>
             </a:lvl1pPr>
-            <a:lvl2pPr marL="662940" indent="0">
-              <a:buNone/>
-              <a:defRPr sz="4060"/>
+            <a:lvl2pPr marL="213375" indent="0">
+              <a:buNone/>
+              <a:defRPr sz="1307"/>
             </a:lvl2pPr>
-            <a:lvl3pPr marL="1325880" indent="0">
-              <a:buNone/>
-              <a:defRPr sz="3480"/>
+            <a:lvl3pPr marL="426750" indent="0">
+              <a:buNone/>
+              <a:defRPr sz="1120"/>
             </a:lvl3pPr>
-            <a:lvl4pPr marL="1988820" indent="0">
-              <a:buNone/>
-              <a:defRPr sz="2900"/>
+            <a:lvl4pPr marL="640126" indent="0">
+              <a:buNone/>
+              <a:defRPr sz="933"/>
             </a:lvl4pPr>
-            <a:lvl5pPr marL="2651760" indent="0">
-              <a:buNone/>
-              <a:defRPr sz="2900"/>
+            <a:lvl5pPr marL="853501" indent="0">
+              <a:buNone/>
+              <a:defRPr sz="933"/>
             </a:lvl5pPr>
-            <a:lvl6pPr marL="3314700" indent="0">
-              <a:buNone/>
-              <a:defRPr sz="2900"/>
+            <a:lvl6pPr marL="1066876" indent="0">
+              <a:buNone/>
+              <a:defRPr sz="933"/>
             </a:lvl6pPr>
-            <a:lvl7pPr marL="3977640" indent="0">
-              <a:buNone/>
-              <a:defRPr sz="2900"/>
+            <a:lvl7pPr marL="1280251" indent="0">
+              <a:buNone/>
+              <a:defRPr sz="933"/>
             </a:lvl7pPr>
-            <a:lvl8pPr marL="4640580" indent="0">
-              <a:buNone/>
-              <a:defRPr sz="2900"/>
+            <a:lvl8pPr marL="1493627" indent="0">
+              <a:buNone/>
+              <a:defRPr sz="933"/>
             </a:lvl8pPr>
-            <a:lvl9pPr marL="5303520" indent="0">
-              <a:buNone/>
-              <a:defRPr sz="2900"/>
+            <a:lvl9pPr marL="1707002" indent="0">
+              <a:buNone/>
+              <a:defRPr sz="933"/>
             </a:lvl9pPr>
           </a:lstStyle>
           <a:p>
@@ -2278,8 +2285,8 @@
         </p:nvSpPr>
         <p:spPr>
           <a:xfrm>
-            <a:off x="913270" y="3017520"/>
-            <a:ext cx="4276308" cy="5590329"/>
+            <a:off x="913270" y="960120"/>
+            <a:ext cx="4276308" cy="1778741"/>
           </a:xfrm>
         </p:spPr>
         <p:txBody>
@@ -2287,39 +2294,39 @@
           <a:lstStyle>
             <a:lvl1pPr marL="0" indent="0">
               <a:buNone/>
-              <a:defRPr sz="2320"/>
+              <a:defRPr sz="747"/>
             </a:lvl1pPr>
-            <a:lvl2pPr marL="662940" indent="0">
-              <a:buNone/>
-              <a:defRPr sz="2030"/>
+            <a:lvl2pPr marL="213375" indent="0">
+              <a:buNone/>
+              <a:defRPr sz="653"/>
             </a:lvl2pPr>
-            <a:lvl3pPr marL="1325880" indent="0">
-              <a:buNone/>
-              <a:defRPr sz="1740"/>
+            <a:lvl3pPr marL="426750" indent="0">
+              <a:buNone/>
+              <a:defRPr sz="560"/>
             </a:lvl3pPr>
-            <a:lvl4pPr marL="1988820" indent="0">
-              <a:buNone/>
-              <a:defRPr sz="1450"/>
+            <a:lvl4pPr marL="640126" indent="0">
+              <a:buNone/>
+              <a:defRPr sz="467"/>
             </a:lvl4pPr>
-            <a:lvl5pPr marL="2651760" indent="0">
-              <a:buNone/>
-              <a:defRPr sz="1450"/>
+            <a:lvl5pPr marL="853501" indent="0">
+              <a:buNone/>
+              <a:defRPr sz="467"/>
             </a:lvl5pPr>
-            <a:lvl6pPr marL="3314700" indent="0">
-              <a:buNone/>
-              <a:defRPr sz="1450"/>
+            <a:lvl6pPr marL="1066876" indent="0">
+              <a:buNone/>
+              <a:defRPr sz="467"/>
             </a:lvl6pPr>
-            <a:lvl7pPr marL="3977640" indent="0">
-              <a:buNone/>
-              <a:defRPr sz="1450"/>
+            <a:lvl7pPr marL="1280251" indent="0">
+              <a:buNone/>
+              <a:defRPr sz="467"/>
             </a:lvl7pPr>
-            <a:lvl8pPr marL="4640580" indent="0">
-              <a:buNone/>
-              <a:defRPr sz="1450"/>
+            <a:lvl8pPr marL="1493627" indent="0">
+              <a:buNone/>
+              <a:defRPr sz="467"/>
             </a:lvl8pPr>
-            <a:lvl9pPr marL="5303520" indent="0">
-              <a:buNone/>
-              <a:defRPr sz="1450"/>
+            <a:lvl9pPr marL="1707002" indent="0">
+              <a:buNone/>
+              <a:defRPr sz="467"/>
             </a:lvl9pPr>
           </a:lstStyle>
           <a:p>
@@ -2348,7 +2355,7 @@
           <a:p>
             <a:fld id="{062C32FD-3345-49D3-8557-5864A615BC2F}" type="datetimeFigureOut">
               <a:rPr lang="en-US" smtClean="0"/>
-              <a:t>2/9/2023</a:t>
+              <a:t>2/22/2023</a:t>
             </a:fld>
             <a:endParaRPr lang="en-US"/>
           </a:p>
@@ -2399,7 +2406,7 @@
     </p:spTree>
     <p:extLst>
       <p:ext uri="{BB962C8B-B14F-4D97-AF65-F5344CB8AC3E}">
-        <p14:creationId xmlns:p14="http://schemas.microsoft.com/office/powerpoint/2010/main" val="2460961349"/>
+        <p14:creationId xmlns:p14="http://schemas.microsoft.com/office/powerpoint/2010/main" val="1938705009"/>
       </p:ext>
     </p:extLst>
   </p:cSld>
@@ -2443,8 +2450,8 @@
         </p:nvSpPr>
         <p:spPr>
           <a:xfrm>
-            <a:off x="911543" y="535519"/>
-            <a:ext cx="11435715" cy="1944159"/>
+            <a:off x="911543" y="170392"/>
+            <a:ext cx="11435715" cy="618596"/>
           </a:xfrm>
           <a:prstGeom prst="rect">
             <a:avLst/>
@@ -2476,8 +2483,8 @@
         </p:nvSpPr>
         <p:spPr>
           <a:xfrm>
-            <a:off x="911543" y="2677584"/>
-            <a:ext cx="11435715" cy="6381962"/>
+            <a:off x="911543" y="851959"/>
+            <a:ext cx="11435715" cy="2030624"/>
           </a:xfrm>
           <a:prstGeom prst="rect">
             <a:avLst/>
@@ -2538,8 +2545,8 @@
         </p:nvSpPr>
         <p:spPr>
           <a:xfrm>
-            <a:off x="911543" y="9322649"/>
-            <a:ext cx="2983230" cy="535517"/>
+            <a:off x="911543" y="2966297"/>
+            <a:ext cx="2983230" cy="170392"/>
           </a:xfrm>
           <a:prstGeom prst="rect">
             <a:avLst/>
@@ -2549,7 +2556,7 @@
           <a:bodyPr vert="horz" lIns="91440" tIns="45720" rIns="91440" bIns="45720" rtlCol="0" anchor="ctr"/>
           <a:lstStyle>
             <a:lvl1pPr algn="l">
-              <a:defRPr sz="1740">
+              <a:defRPr sz="560">
                 <a:solidFill>
                   <a:schemeClr val="tx1">
                     <a:tint val="75000"/>
@@ -2561,7 +2568,7 @@
           <a:p>
             <a:fld id="{062C32FD-3345-49D3-8557-5864A615BC2F}" type="datetimeFigureOut">
               <a:rPr lang="en-US" smtClean="0"/>
-              <a:t>2/9/2023</a:t>
+              <a:t>2/22/2023</a:t>
             </a:fld>
             <a:endParaRPr lang="en-US"/>
           </a:p>
@@ -2579,8 +2586,8 @@
         </p:nvSpPr>
         <p:spPr>
           <a:xfrm>
-            <a:off x="4391978" y="9322649"/>
-            <a:ext cx="4474845" cy="535517"/>
+            <a:off x="4391978" y="2966297"/>
+            <a:ext cx="4474845" cy="170392"/>
           </a:xfrm>
           <a:prstGeom prst="rect">
             <a:avLst/>
@@ -2590,7 +2597,7 @@
           <a:bodyPr vert="horz" lIns="91440" tIns="45720" rIns="91440" bIns="45720" rtlCol="0" anchor="ctr"/>
           <a:lstStyle>
             <a:lvl1pPr algn="ctr">
-              <a:defRPr sz="1740">
+              <a:defRPr sz="560">
                 <a:solidFill>
                   <a:schemeClr val="tx1">
                     <a:tint val="75000"/>
@@ -2616,8 +2623,8 @@
         </p:nvSpPr>
         <p:spPr>
           <a:xfrm>
-            <a:off x="9364028" y="9322649"/>
-            <a:ext cx="2983230" cy="535517"/>
+            <a:off x="9364028" y="2966297"/>
+            <a:ext cx="2983230" cy="170392"/>
           </a:xfrm>
           <a:prstGeom prst="rect">
             <a:avLst/>
@@ -2627,7 +2634,7 @@
           <a:bodyPr vert="horz" lIns="91440" tIns="45720" rIns="91440" bIns="45720" rtlCol="0" anchor="ctr"/>
           <a:lstStyle>
             <a:lvl1pPr algn="r">
-              <a:defRPr sz="1740">
+              <a:defRPr sz="560">
                 <a:solidFill>
                   <a:schemeClr val="tx1">
                     <a:tint val="75000"/>
@@ -2648,27 +2655,27 @@
     </p:spTree>
     <p:extLst>
       <p:ext uri="{BB962C8B-B14F-4D97-AF65-F5344CB8AC3E}">
-        <p14:creationId xmlns:p14="http://schemas.microsoft.com/office/powerpoint/2010/main" val="4282120978"/>
+        <p14:creationId xmlns:p14="http://schemas.microsoft.com/office/powerpoint/2010/main" val="2418147952"/>
       </p:ext>
     </p:extLst>
   </p:cSld>
   <p:clrMap bg1="lt1" tx1="dk1" bg2="lt2" tx2="dk2" accent1="accent1" accent2="accent2" accent3="accent3" accent4="accent4" accent5="accent5" accent6="accent6" hlink="hlink" folHlink="folHlink"/>
   <p:sldLayoutIdLst>
-    <p:sldLayoutId id="2147483685" r:id="rId1"/>
-    <p:sldLayoutId id="2147483686" r:id="rId2"/>
-    <p:sldLayoutId id="2147483687" r:id="rId3"/>
-    <p:sldLayoutId id="2147483688" r:id="rId4"/>
-    <p:sldLayoutId id="2147483689" r:id="rId5"/>
-    <p:sldLayoutId id="2147483690" r:id="rId6"/>
-    <p:sldLayoutId id="2147483691" r:id="rId7"/>
-    <p:sldLayoutId id="2147483692" r:id="rId8"/>
-    <p:sldLayoutId id="2147483693" r:id="rId9"/>
-    <p:sldLayoutId id="2147483694" r:id="rId10"/>
-    <p:sldLayoutId id="2147483695" r:id="rId11"/>
+    <p:sldLayoutId id="2147483745" r:id="rId1"/>
+    <p:sldLayoutId id="2147483746" r:id="rId2"/>
+    <p:sldLayoutId id="2147483747" r:id="rId3"/>
+    <p:sldLayoutId id="2147483748" r:id="rId4"/>
+    <p:sldLayoutId id="2147483749" r:id="rId5"/>
+    <p:sldLayoutId id="2147483750" r:id="rId6"/>
+    <p:sldLayoutId id="2147483751" r:id="rId7"/>
+    <p:sldLayoutId id="2147483752" r:id="rId8"/>
+    <p:sldLayoutId id="2147483753" r:id="rId9"/>
+    <p:sldLayoutId id="2147483754" r:id="rId10"/>
+    <p:sldLayoutId id="2147483755" r:id="rId11"/>
   </p:sldLayoutIdLst>
   <p:txStyles>
     <p:titleStyle>
-      <a:lvl1pPr algn="l" defTabSz="1325880" rtl="0" eaLnBrk="1" latinLnBrk="0" hangingPunct="1">
+      <a:lvl1pPr algn="l" defTabSz="426750" rtl="0" eaLnBrk="1" latinLnBrk="0" hangingPunct="1">
         <a:lnSpc>
           <a:spcPct val="90000"/>
         </a:lnSpc>
@@ -2676,7 +2683,7 @@
           <a:spcPct val="0"/>
         </a:spcBef>
         <a:buNone/>
-        <a:defRPr sz="6380" kern="1200">
+        <a:defRPr sz="2053" kern="1200">
           <a:solidFill>
             <a:schemeClr val="tx1"/>
           </a:solidFill>
@@ -2687,16 +2694,16 @@
       </a:lvl1pPr>
     </p:titleStyle>
     <p:bodyStyle>
-      <a:lvl1pPr marL="331470" indent="-331470" algn="l" defTabSz="1325880" rtl="0" eaLnBrk="1" latinLnBrk="0" hangingPunct="1">
+      <a:lvl1pPr marL="106688" indent="-106688" algn="l" defTabSz="426750" rtl="0" eaLnBrk="1" latinLnBrk="0" hangingPunct="1">
         <a:lnSpc>
           <a:spcPct val="90000"/>
         </a:lnSpc>
         <a:spcBef>
-          <a:spcPts val="1450"/>
+          <a:spcPts val="467"/>
         </a:spcBef>
         <a:buFont typeface="Arial" panose="020B0604020202020204" pitchFamily="34" charset="0"/>
         <a:buChar char="•"/>
-        <a:defRPr sz="4060" kern="1200">
+        <a:defRPr sz="1307" kern="1200">
           <a:solidFill>
             <a:schemeClr val="tx1"/>
           </a:solidFill>
@@ -2705,16 +2712,16 @@
           <a:cs typeface="+mn-cs"/>
         </a:defRPr>
       </a:lvl1pPr>
-      <a:lvl2pPr marL="994410" indent="-331470" algn="l" defTabSz="1325880" rtl="0" eaLnBrk="1" latinLnBrk="0" hangingPunct="1">
+      <a:lvl2pPr marL="320063" indent="-106688" algn="l" defTabSz="426750" rtl="0" eaLnBrk="1" latinLnBrk="0" hangingPunct="1">
         <a:lnSpc>
           <a:spcPct val="90000"/>
         </a:lnSpc>
         <a:spcBef>
-          <a:spcPts val="725"/>
+          <a:spcPts val="233"/>
         </a:spcBef>
         <a:buFont typeface="Arial" panose="020B0604020202020204" pitchFamily="34" charset="0"/>
         <a:buChar char="•"/>
-        <a:defRPr sz="3480" kern="1200">
+        <a:defRPr sz="1120" kern="1200">
           <a:solidFill>
             <a:schemeClr val="tx1"/>
           </a:solidFill>
@@ -2723,16 +2730,16 @@
           <a:cs typeface="+mn-cs"/>
         </a:defRPr>
       </a:lvl2pPr>
-      <a:lvl3pPr marL="1657350" indent="-331470" algn="l" defTabSz="1325880" rtl="0" eaLnBrk="1" latinLnBrk="0" hangingPunct="1">
+      <a:lvl3pPr marL="533438" indent="-106688" algn="l" defTabSz="426750" rtl="0" eaLnBrk="1" latinLnBrk="0" hangingPunct="1">
         <a:lnSpc>
           <a:spcPct val="90000"/>
         </a:lnSpc>
         <a:spcBef>
-          <a:spcPts val="725"/>
+          <a:spcPts val="233"/>
         </a:spcBef>
         <a:buFont typeface="Arial" panose="020B0604020202020204" pitchFamily="34" charset="0"/>
         <a:buChar char="•"/>
-        <a:defRPr sz="2900" kern="1200">
+        <a:defRPr sz="933" kern="1200">
           <a:solidFill>
             <a:schemeClr val="tx1"/>
           </a:solidFill>
@@ -2741,16 +2748,16 @@
           <a:cs typeface="+mn-cs"/>
         </a:defRPr>
       </a:lvl3pPr>
-      <a:lvl4pPr marL="2320290" indent="-331470" algn="l" defTabSz="1325880" rtl="0" eaLnBrk="1" latinLnBrk="0" hangingPunct="1">
+      <a:lvl4pPr marL="746813" indent="-106688" algn="l" defTabSz="426750" rtl="0" eaLnBrk="1" latinLnBrk="0" hangingPunct="1">
         <a:lnSpc>
           <a:spcPct val="90000"/>
         </a:lnSpc>
         <a:spcBef>
-          <a:spcPts val="725"/>
+          <a:spcPts val="233"/>
         </a:spcBef>
         <a:buFont typeface="Arial" panose="020B0604020202020204" pitchFamily="34" charset="0"/>
         <a:buChar char="•"/>
-        <a:defRPr sz="2610" kern="1200">
+        <a:defRPr sz="840" kern="1200">
           <a:solidFill>
             <a:schemeClr val="tx1"/>
           </a:solidFill>
@@ -2759,16 +2766,16 @@
           <a:cs typeface="+mn-cs"/>
         </a:defRPr>
       </a:lvl4pPr>
-      <a:lvl5pPr marL="2983230" indent="-331470" algn="l" defTabSz="1325880" rtl="0" eaLnBrk="1" latinLnBrk="0" hangingPunct="1">
+      <a:lvl5pPr marL="960189" indent="-106688" algn="l" defTabSz="426750" rtl="0" eaLnBrk="1" latinLnBrk="0" hangingPunct="1">
         <a:lnSpc>
           <a:spcPct val="90000"/>
         </a:lnSpc>
         <a:spcBef>
-          <a:spcPts val="725"/>
+          <a:spcPts val="233"/>
         </a:spcBef>
         <a:buFont typeface="Arial" panose="020B0604020202020204" pitchFamily="34" charset="0"/>
         <a:buChar char="•"/>
-        <a:defRPr sz="2610" kern="1200">
+        <a:defRPr sz="840" kern="1200">
           <a:solidFill>
             <a:schemeClr val="tx1"/>
           </a:solidFill>
@@ -2777,16 +2784,16 @@
           <a:cs typeface="+mn-cs"/>
         </a:defRPr>
       </a:lvl5pPr>
-      <a:lvl6pPr marL="3646170" indent="-331470" algn="l" defTabSz="1325880" rtl="0" eaLnBrk="1" latinLnBrk="0" hangingPunct="1">
+      <a:lvl6pPr marL="1173564" indent="-106688" algn="l" defTabSz="426750" rtl="0" eaLnBrk="1" latinLnBrk="0" hangingPunct="1">
         <a:lnSpc>
           <a:spcPct val="90000"/>
         </a:lnSpc>
         <a:spcBef>
-          <a:spcPts val="725"/>
+          <a:spcPts val="233"/>
         </a:spcBef>
         <a:buFont typeface="Arial" panose="020B0604020202020204" pitchFamily="34" charset="0"/>
         <a:buChar char="•"/>
-        <a:defRPr sz="2610" kern="1200">
+        <a:defRPr sz="840" kern="1200">
           <a:solidFill>
             <a:schemeClr val="tx1"/>
           </a:solidFill>
@@ -2795,16 +2802,16 @@
           <a:cs typeface="+mn-cs"/>
         </a:defRPr>
       </a:lvl6pPr>
-      <a:lvl7pPr marL="4309110" indent="-331470" algn="l" defTabSz="1325880" rtl="0" eaLnBrk="1" latinLnBrk="0" hangingPunct="1">
+      <a:lvl7pPr marL="1386939" indent="-106688" algn="l" defTabSz="426750" rtl="0" eaLnBrk="1" latinLnBrk="0" hangingPunct="1">
         <a:lnSpc>
           <a:spcPct val="90000"/>
         </a:lnSpc>
         <a:spcBef>
-          <a:spcPts val="725"/>
+          <a:spcPts val="233"/>
         </a:spcBef>
         <a:buFont typeface="Arial" panose="020B0604020202020204" pitchFamily="34" charset="0"/>
         <a:buChar char="•"/>
-        <a:defRPr sz="2610" kern="1200">
+        <a:defRPr sz="840" kern="1200">
           <a:solidFill>
             <a:schemeClr val="tx1"/>
           </a:solidFill>
@@ -2813,16 +2820,16 @@
           <a:cs typeface="+mn-cs"/>
         </a:defRPr>
       </a:lvl7pPr>
-      <a:lvl8pPr marL="4972050" indent="-331470" algn="l" defTabSz="1325880" rtl="0" eaLnBrk="1" latinLnBrk="0" hangingPunct="1">
+      <a:lvl8pPr marL="1600314" indent="-106688" algn="l" defTabSz="426750" rtl="0" eaLnBrk="1" latinLnBrk="0" hangingPunct="1">
         <a:lnSpc>
           <a:spcPct val="90000"/>
         </a:lnSpc>
         <a:spcBef>
-          <a:spcPts val="725"/>
+          <a:spcPts val="233"/>
         </a:spcBef>
         <a:buFont typeface="Arial" panose="020B0604020202020204" pitchFamily="34" charset="0"/>
         <a:buChar char="•"/>
-        <a:defRPr sz="2610" kern="1200">
+        <a:defRPr sz="840" kern="1200">
           <a:solidFill>
             <a:schemeClr val="tx1"/>
           </a:solidFill>
@@ -2831,16 +2838,16 @@
           <a:cs typeface="+mn-cs"/>
         </a:defRPr>
       </a:lvl8pPr>
-      <a:lvl9pPr marL="5634990" indent="-331470" algn="l" defTabSz="1325880" rtl="0" eaLnBrk="1" latinLnBrk="0" hangingPunct="1">
+      <a:lvl9pPr marL="1813690" indent="-106688" algn="l" defTabSz="426750" rtl="0" eaLnBrk="1" latinLnBrk="0" hangingPunct="1">
         <a:lnSpc>
           <a:spcPct val="90000"/>
         </a:lnSpc>
         <a:spcBef>
-          <a:spcPts val="725"/>
+          <a:spcPts val="233"/>
         </a:spcBef>
         <a:buFont typeface="Arial" panose="020B0604020202020204" pitchFamily="34" charset="0"/>
         <a:buChar char="•"/>
-        <a:defRPr sz="2610" kern="1200">
+        <a:defRPr sz="840" kern="1200">
           <a:solidFill>
             <a:schemeClr val="tx1"/>
           </a:solidFill>
@@ -2854,8 +2861,8 @@
       <a:defPPr>
         <a:defRPr lang="en-US"/>
       </a:defPPr>
-      <a:lvl1pPr marL="0" algn="l" defTabSz="1325880" rtl="0" eaLnBrk="1" latinLnBrk="0" hangingPunct="1">
-        <a:defRPr sz="2610" kern="1200">
+      <a:lvl1pPr marL="0" algn="l" defTabSz="426750" rtl="0" eaLnBrk="1" latinLnBrk="0" hangingPunct="1">
+        <a:defRPr sz="840" kern="1200">
           <a:solidFill>
             <a:schemeClr val="tx1"/>
           </a:solidFill>
@@ -2864,8 +2871,8 @@
           <a:cs typeface="+mn-cs"/>
         </a:defRPr>
       </a:lvl1pPr>
-      <a:lvl2pPr marL="662940" algn="l" defTabSz="1325880" rtl="0" eaLnBrk="1" latinLnBrk="0" hangingPunct="1">
-        <a:defRPr sz="2610" kern="1200">
+      <a:lvl2pPr marL="213375" algn="l" defTabSz="426750" rtl="0" eaLnBrk="1" latinLnBrk="0" hangingPunct="1">
+        <a:defRPr sz="840" kern="1200">
           <a:solidFill>
             <a:schemeClr val="tx1"/>
           </a:solidFill>
@@ -2874,8 +2881,8 @@
           <a:cs typeface="+mn-cs"/>
         </a:defRPr>
       </a:lvl2pPr>
-      <a:lvl3pPr marL="1325880" algn="l" defTabSz="1325880" rtl="0" eaLnBrk="1" latinLnBrk="0" hangingPunct="1">
-        <a:defRPr sz="2610" kern="1200">
+      <a:lvl3pPr marL="426750" algn="l" defTabSz="426750" rtl="0" eaLnBrk="1" latinLnBrk="0" hangingPunct="1">
+        <a:defRPr sz="840" kern="1200">
           <a:solidFill>
             <a:schemeClr val="tx1"/>
           </a:solidFill>
@@ -2884,8 +2891,8 @@
           <a:cs typeface="+mn-cs"/>
         </a:defRPr>
       </a:lvl3pPr>
-      <a:lvl4pPr marL="1988820" algn="l" defTabSz="1325880" rtl="0" eaLnBrk="1" latinLnBrk="0" hangingPunct="1">
-        <a:defRPr sz="2610" kern="1200">
+      <a:lvl4pPr marL="640126" algn="l" defTabSz="426750" rtl="0" eaLnBrk="1" latinLnBrk="0" hangingPunct="1">
+        <a:defRPr sz="840" kern="1200">
           <a:solidFill>
             <a:schemeClr val="tx1"/>
           </a:solidFill>
@@ -2894,8 +2901,8 @@
           <a:cs typeface="+mn-cs"/>
         </a:defRPr>
       </a:lvl4pPr>
-      <a:lvl5pPr marL="2651760" algn="l" defTabSz="1325880" rtl="0" eaLnBrk="1" latinLnBrk="0" hangingPunct="1">
-        <a:defRPr sz="2610" kern="1200">
+      <a:lvl5pPr marL="853501" algn="l" defTabSz="426750" rtl="0" eaLnBrk="1" latinLnBrk="0" hangingPunct="1">
+        <a:defRPr sz="840" kern="1200">
           <a:solidFill>
             <a:schemeClr val="tx1"/>
           </a:solidFill>
@@ -2904,8 +2911,8 @@
           <a:cs typeface="+mn-cs"/>
         </a:defRPr>
       </a:lvl5pPr>
-      <a:lvl6pPr marL="3314700" algn="l" defTabSz="1325880" rtl="0" eaLnBrk="1" latinLnBrk="0" hangingPunct="1">
-        <a:defRPr sz="2610" kern="1200">
+      <a:lvl6pPr marL="1066876" algn="l" defTabSz="426750" rtl="0" eaLnBrk="1" latinLnBrk="0" hangingPunct="1">
+        <a:defRPr sz="840" kern="1200">
           <a:solidFill>
             <a:schemeClr val="tx1"/>
           </a:solidFill>
@@ -2914,8 +2921,8 @@
           <a:cs typeface="+mn-cs"/>
         </a:defRPr>
       </a:lvl6pPr>
-      <a:lvl7pPr marL="3977640" algn="l" defTabSz="1325880" rtl="0" eaLnBrk="1" latinLnBrk="0" hangingPunct="1">
-        <a:defRPr sz="2610" kern="1200">
+      <a:lvl7pPr marL="1280251" algn="l" defTabSz="426750" rtl="0" eaLnBrk="1" latinLnBrk="0" hangingPunct="1">
+        <a:defRPr sz="840" kern="1200">
           <a:solidFill>
             <a:schemeClr val="tx1"/>
           </a:solidFill>
@@ -2924,8 +2931,8 @@
           <a:cs typeface="+mn-cs"/>
         </a:defRPr>
       </a:lvl7pPr>
-      <a:lvl8pPr marL="4640580" algn="l" defTabSz="1325880" rtl="0" eaLnBrk="1" latinLnBrk="0" hangingPunct="1">
-        <a:defRPr sz="2610" kern="1200">
+      <a:lvl8pPr marL="1493627" algn="l" defTabSz="426750" rtl="0" eaLnBrk="1" latinLnBrk="0" hangingPunct="1">
+        <a:defRPr sz="840" kern="1200">
           <a:solidFill>
             <a:schemeClr val="tx1"/>
           </a:solidFill>
@@ -2934,8 +2941,8 @@
           <a:cs typeface="+mn-cs"/>
         </a:defRPr>
       </a:lvl8pPr>
-      <a:lvl9pPr marL="5303520" algn="l" defTabSz="1325880" rtl="0" eaLnBrk="1" latinLnBrk="0" hangingPunct="1">
-        <a:defRPr sz="2610" kern="1200">
+      <a:lvl9pPr marL="1707002" algn="l" defTabSz="426750" rtl="0" eaLnBrk="1" latinLnBrk="0" hangingPunct="1">
+        <a:defRPr sz="840" kern="1200">
           <a:solidFill>
             <a:schemeClr val="tx1"/>
           </a:solidFill>
@@ -2966,1944 +2973,405 @@
           <a:chExt cx="0" cy="0"/>
         </a:xfrm>
       </p:grpSpPr>
-      <p:grpSp>
-        <p:nvGrpSpPr>
-          <p:cNvPr id="4" name="Group 3">
+      <p:sp>
+        <p:nvSpPr>
+          <p:cNvPr id="7" name="Rectangle: Rounded Corners 6">
             <a:extLst>
               <a:ext uri="{FF2B5EF4-FFF2-40B4-BE49-F238E27FC236}">
-                <a16:creationId xmlns:a16="http://schemas.microsoft.com/office/drawing/2014/main" id="{91E7FAA8-15A8-DF92-2CD3-87B9B5F8B616}"/>
+                <a16:creationId xmlns:a16="http://schemas.microsoft.com/office/drawing/2014/main" id="{6466E454-6561-2186-88F6-ED32960BD4E0}"/>
               </a:ext>
             </a:extLst>
           </p:cNvPr>
-          <p:cNvGrpSpPr/>
+          <p:cNvSpPr/>
           <p:nvPr/>
-        </p:nvGrpSpPr>
-        <p:grpSpPr>
+        </p:nvSpPr>
+        <p:spPr>
           <a:xfrm>
-            <a:off x="228263" y="317996"/>
-            <a:ext cx="12802275" cy="9511804"/>
-            <a:chOff x="753659" y="15637857"/>
-            <a:chExt cx="12802275" cy="9511804"/>
+            <a:off x="124185" y="997863"/>
+            <a:ext cx="4756184" cy="2111540"/>
           </a:xfrm>
-        </p:grpSpPr>
-        <p:sp>
-          <p:nvSpPr>
-            <p:cNvPr id="5" name="Rectangle: Rounded Corners 4">
-              <a:extLst>
-                <a:ext uri="{FF2B5EF4-FFF2-40B4-BE49-F238E27FC236}">
-                  <a16:creationId xmlns:a16="http://schemas.microsoft.com/office/drawing/2014/main" id="{1E9C549A-EFB3-1292-8F79-097FC24848B6}"/>
-                </a:ext>
-              </a:extLst>
-            </p:cNvPr>
-            <p:cNvSpPr/>
-            <p:nvPr/>
-          </p:nvSpPr>
-          <p:spPr>
-            <a:xfrm>
-              <a:off x="1783821" y="16247660"/>
-              <a:ext cx="5689599" cy="3176549"/>
-            </a:xfrm>
-            <a:prstGeom prst="roundRect">
-              <a:avLst/>
-            </a:prstGeom>
+          <a:prstGeom prst="roundRect">
+            <a:avLst/>
+          </a:prstGeom>
+          <a:solidFill>
+            <a:srgbClr val="2B809D"/>
+          </a:solidFill>
+          <a:ln>
+            <a:noFill/>
+          </a:ln>
+        </p:spPr>
+        <p:style>
+          <a:lnRef idx="2">
+            <a:schemeClr val="accent1">
+              <a:shade val="50000"/>
+            </a:schemeClr>
+          </a:lnRef>
+          <a:fillRef idx="1">
+            <a:schemeClr val="accent1"/>
+          </a:fillRef>
+          <a:effectRef idx="0">
+            <a:schemeClr val="accent1"/>
+          </a:effectRef>
+          <a:fontRef idx="minor">
+            <a:schemeClr val="lt1"/>
+          </a:fontRef>
+        </p:style>
+        <p:txBody>
+          <a:bodyPr rtlCol="0" anchor="ctr"/>
+          <a:lstStyle/>
+          <a:p>
+            <a:pPr algn="ctr"/>
+            <a:r>
+              <a:rPr lang="en-US" sz="2400" b="1" dirty="0"/>
+              <a:t>Monthly Temperature and Precipitation at 0.5-deg</a:t>
+            </a:r>
+          </a:p>
+          <a:p>
+            <a:pPr marL="800019" lvl="1" indent="-342866">
+              <a:buFont typeface="Arial" panose="020B0604020202020204" pitchFamily="34" charset="0"/>
+              <a:buChar char="•"/>
+            </a:pPr>
+            <a:r>
+              <a:rPr lang="en-US" sz="2400" dirty="0"/>
+              <a:t>Historic</a:t>
+            </a:r>
+          </a:p>
+          <a:p>
+            <a:pPr marL="800019" lvl="1" indent="-342866">
+              <a:buFont typeface="Arial" panose="020B0604020202020204" pitchFamily="34" charset="0"/>
+              <a:buChar char="•"/>
+            </a:pPr>
+            <a:r>
+              <a:rPr lang="en-US" sz="2400" dirty="0"/>
+              <a:t>Projection (climate scenario)</a:t>
+            </a:r>
+          </a:p>
+        </p:txBody>
+      </p:sp>
+      <p:sp>
+        <p:nvSpPr>
+          <p:cNvPr id="18" name="Rectangle: Rounded Corners 17">
+            <a:extLst>
+              <a:ext uri="{FF2B5EF4-FFF2-40B4-BE49-F238E27FC236}">
+                <a16:creationId xmlns:a16="http://schemas.microsoft.com/office/drawing/2014/main" id="{641E73C5-7775-3821-8B14-ED510F36A2A5}"/>
+              </a:ext>
+            </a:extLst>
+          </p:cNvPr>
+          <p:cNvSpPr/>
+          <p:nvPr/>
+        </p:nvSpPr>
+        <p:spPr>
+          <a:xfrm>
+            <a:off x="5634370" y="1378981"/>
+            <a:ext cx="3583450" cy="1349304"/>
+          </a:xfrm>
+          <a:prstGeom prst="roundRect">
+            <a:avLst/>
+          </a:prstGeom>
+          <a:solidFill>
+            <a:srgbClr val="2B809D"/>
+          </a:solidFill>
+          <a:ln>
+            <a:noFill/>
+          </a:ln>
+        </p:spPr>
+        <p:style>
+          <a:lnRef idx="2">
+            <a:schemeClr val="accent1">
+              <a:shade val="50000"/>
+            </a:schemeClr>
+          </a:lnRef>
+          <a:fillRef idx="1">
+            <a:schemeClr val="accent1"/>
+          </a:fillRef>
+          <a:effectRef idx="0">
+            <a:schemeClr val="accent1"/>
+          </a:effectRef>
+          <a:fontRef idx="minor">
+            <a:schemeClr val="lt1"/>
+          </a:fontRef>
+        </p:style>
+        <p:txBody>
+          <a:bodyPr rtlCol="0" anchor="ctr"/>
+          <a:lstStyle/>
+          <a:p>
+            <a:pPr algn="ctr"/>
+            <a:r>
+              <a:rPr lang="en-US" sz="2400" b="1" dirty="0"/>
+              <a:t>Agricultural Productivity Change</a:t>
+            </a:r>
+            <a:endParaRPr lang="en-US" dirty="0"/>
+          </a:p>
+        </p:txBody>
+      </p:sp>
+      <p:sp>
+        <p:nvSpPr>
+          <p:cNvPr id="10" name="Rectangle: Rounded Corners 9">
+            <a:extLst>
+              <a:ext uri="{FF2B5EF4-FFF2-40B4-BE49-F238E27FC236}">
+                <a16:creationId xmlns:a16="http://schemas.microsoft.com/office/drawing/2014/main" id="{2E7EB69A-B11E-92A4-842A-8FDE4F9DBF0E}"/>
+              </a:ext>
+            </a:extLst>
+          </p:cNvPr>
+          <p:cNvSpPr/>
+          <p:nvPr/>
+        </p:nvSpPr>
+        <p:spPr>
+          <a:xfrm>
+            <a:off x="9941795" y="1378981"/>
+            <a:ext cx="3210346" cy="1349304"/>
+          </a:xfrm>
+          <a:prstGeom prst="roundRect">
+            <a:avLst/>
+          </a:prstGeom>
+          <a:solidFill>
+            <a:srgbClr val="2B809D"/>
+          </a:solidFill>
+          <a:ln>
+            <a:noFill/>
+          </a:ln>
+        </p:spPr>
+        <p:style>
+          <a:lnRef idx="2">
+            <a:schemeClr val="accent1">
+              <a:shade val="50000"/>
+            </a:schemeClr>
+          </a:lnRef>
+          <a:fillRef idx="1">
+            <a:schemeClr val="accent1"/>
+          </a:fillRef>
+          <a:effectRef idx="0">
+            <a:schemeClr val="accent1"/>
+          </a:effectRef>
+          <a:fontRef idx="minor">
+            <a:schemeClr val="lt1"/>
+          </a:fontRef>
+        </p:style>
+        <p:txBody>
+          <a:bodyPr rtlCol="0" anchor="ctr"/>
+          <a:lstStyle/>
+          <a:p>
+            <a:pPr algn="ctr"/>
+            <a:r>
+              <a:rPr lang="en-US" sz="2400" b="1" dirty="0"/>
+              <a:t>GCAM</a:t>
+            </a:r>
+          </a:p>
+          <a:p>
+            <a:pPr algn="ctr"/>
+            <a:r>
+              <a:rPr lang="en-US" sz="2400" dirty="0"/>
+              <a:t>(2020 – 2100 at 5-year time step)</a:t>
+            </a:r>
+          </a:p>
+        </p:txBody>
+      </p:sp>
+      <p:cxnSp>
+        <p:nvCxnSpPr>
+          <p:cNvPr id="11" name="Straight Arrow Connector 10">
+            <a:extLst>
+              <a:ext uri="{FF2B5EF4-FFF2-40B4-BE49-F238E27FC236}">
+                <a16:creationId xmlns:a16="http://schemas.microsoft.com/office/drawing/2014/main" id="{42C42899-7F0C-8244-76DD-9B982D7D9D47}"/>
+              </a:ext>
+            </a:extLst>
+          </p:cNvPr>
+          <p:cNvCxnSpPr>
+            <a:cxnSpLocks/>
+            <a:stCxn id="7" idx="3"/>
+            <a:endCxn id="18" idx="1"/>
+          </p:cNvCxnSpPr>
+          <p:nvPr/>
+        </p:nvCxnSpPr>
+        <p:spPr>
+          <a:xfrm>
+            <a:off x="4880374" y="2053633"/>
+            <a:ext cx="753997" cy="0"/>
+          </a:xfrm>
+          <a:prstGeom prst="straightConnector1">
+            <a:avLst/>
+          </a:prstGeom>
+          <a:ln w="88900">
             <a:solidFill>
               <a:srgbClr val="2B809D"/>
             </a:solidFill>
-            <a:ln>
-              <a:noFill/>
-            </a:ln>
-          </p:spPr>
-          <p:style>
-            <a:lnRef idx="2">
-              <a:schemeClr val="accent1">
-                <a:shade val="50000"/>
-              </a:schemeClr>
-            </a:lnRef>
-            <a:fillRef idx="1">
-              <a:schemeClr val="accent1"/>
-            </a:fillRef>
-            <a:effectRef idx="0">
-              <a:schemeClr val="accent1"/>
-            </a:effectRef>
-            <a:fontRef idx="minor">
-              <a:schemeClr val="lt1"/>
-            </a:fontRef>
-          </p:style>
-          <p:txBody>
-            <a:bodyPr rtlCol="0" anchor="ctr"/>
-            <a:lstStyle/>
-            <a:p>
-              <a:pPr algn="ctr"/>
-              <a:r>
-                <a:rPr lang="en-US" sz="2400" b="1" dirty="0"/>
-                <a:t>Hourly WRF Temperature and Precipitation over 12-km CONUS</a:t>
-              </a:r>
-            </a:p>
-            <a:p>
-              <a:pPr algn="ctr"/>
-              <a:endParaRPr lang="en-US" dirty="0"/>
-            </a:p>
-            <a:p>
-              <a:pPr algn="ctr"/>
-              <a:r>
-                <a:rPr lang="en-US" sz="2400" b="1" dirty="0"/>
-                <a:t>Scenarios: </a:t>
-              </a:r>
-              <a:r>
-                <a:rPr lang="en-US" sz="2400" dirty="0"/>
-                <a:t>RCP4.5 Cooler, RCP4.5 Hotter, RCP8.5 Cooler, RCP8.5 Hotter</a:t>
-              </a:r>
-            </a:p>
-            <a:p>
-              <a:pPr algn="ctr"/>
-              <a:endParaRPr lang="en-US" b="1" dirty="0"/>
-            </a:p>
-            <a:p>
-              <a:pPr algn="ctr"/>
-              <a:r>
-                <a:rPr lang="en-US" sz="2400" b="1" dirty="0"/>
-                <a:t>Historic: </a:t>
-              </a:r>
-              <a:r>
-                <a:rPr lang="en-US" sz="2400" dirty="0"/>
-                <a:t>1980 – 2020</a:t>
-              </a:r>
-              <a:endParaRPr lang="en-US" sz="2400" b="1" dirty="0"/>
-            </a:p>
-            <a:p>
-              <a:pPr algn="ctr"/>
-              <a:r>
-                <a:rPr lang="en-US" sz="2400" b="1" dirty="0"/>
-                <a:t>Projection:</a:t>
-              </a:r>
-              <a:r>
-                <a:rPr lang="en-US" sz="2400" dirty="0"/>
-                <a:t> 2020 – 2099</a:t>
-              </a:r>
-            </a:p>
-          </p:txBody>
-        </p:sp>
-        <p:grpSp>
-          <p:nvGrpSpPr>
-            <p:cNvPr id="6" name="Group 5">
-              <a:extLst>
-                <a:ext uri="{FF2B5EF4-FFF2-40B4-BE49-F238E27FC236}">
-                  <a16:creationId xmlns:a16="http://schemas.microsoft.com/office/drawing/2014/main" id="{8F375854-2B31-EEB0-2D66-053B40F20702}"/>
-                </a:ext>
-              </a:extLst>
-            </p:cNvPr>
-            <p:cNvGrpSpPr/>
-            <p:nvPr/>
-          </p:nvGrpSpPr>
-          <p:grpSpPr>
-            <a:xfrm>
-              <a:off x="1778907" y="20486558"/>
-              <a:ext cx="5689599" cy="3006765"/>
-              <a:chOff x="522669" y="16292417"/>
-              <a:chExt cx="4267199" cy="2385446"/>
-            </a:xfrm>
-          </p:grpSpPr>
-          <p:sp>
-            <p:nvSpPr>
-              <p:cNvPr id="27" name="Rectangle: Rounded Corners 26">
-                <a:extLst>
-                  <a:ext uri="{FF2B5EF4-FFF2-40B4-BE49-F238E27FC236}">
-                    <a16:creationId xmlns:a16="http://schemas.microsoft.com/office/drawing/2014/main" id="{902F47C3-DBA8-70B9-9704-22C3750E7534}"/>
-                  </a:ext>
-                </a:extLst>
-              </p:cNvPr>
-              <p:cNvSpPr/>
-              <p:nvPr/>
-            </p:nvSpPr>
-            <p:spPr>
-              <a:xfrm>
-                <a:off x="522669" y="16292417"/>
-                <a:ext cx="4267199" cy="2385446"/>
-              </a:xfrm>
-              <a:prstGeom prst="roundRect">
-                <a:avLst/>
-              </a:prstGeom>
-              <a:solidFill>
-                <a:srgbClr val="2B809D"/>
-              </a:solidFill>
-              <a:ln>
-                <a:noFill/>
-              </a:ln>
-            </p:spPr>
-            <p:style>
-              <a:lnRef idx="2">
-                <a:schemeClr val="accent1">
-                  <a:shade val="50000"/>
-                </a:schemeClr>
-              </a:lnRef>
-              <a:fillRef idx="1">
-                <a:schemeClr val="accent1"/>
-              </a:fillRef>
-              <a:effectRef idx="0">
-                <a:schemeClr val="accent1"/>
-              </a:effectRef>
-              <a:fontRef idx="minor">
-                <a:schemeClr val="lt1"/>
-              </a:fontRef>
-            </p:style>
-            <p:txBody>
-              <a:bodyPr rtlCol="0" anchor="t"/>
-              <a:lstStyle/>
-              <a:p>
-                <a:pPr algn="ctr"/>
-                <a:r>
-                  <a:rPr lang="en-US" sz="2400" b="1" dirty="0"/>
-                  <a:t>Ag Productivity Change (U.S. Basins)</a:t>
-                </a:r>
-              </a:p>
-            </p:txBody>
-          </p:sp>
-          <p:sp>
-            <p:nvSpPr>
-              <p:cNvPr id="28" name="Rectangle: Rounded Corners 27">
-                <a:extLst>
-                  <a:ext uri="{FF2B5EF4-FFF2-40B4-BE49-F238E27FC236}">
-                    <a16:creationId xmlns:a16="http://schemas.microsoft.com/office/drawing/2014/main" id="{1E00BDA4-EA04-ADE8-78AC-4189FABF56DF}"/>
-                  </a:ext>
-                </a:extLst>
-              </p:cNvPr>
-              <p:cNvSpPr/>
-              <p:nvPr/>
-            </p:nvSpPr>
-            <p:spPr>
-              <a:xfrm>
-                <a:off x="617996" y="17536266"/>
-                <a:ext cx="746527" cy="374068"/>
-              </a:xfrm>
-              <a:prstGeom prst="roundRect">
-                <a:avLst/>
-              </a:prstGeom>
-              <a:solidFill>
-                <a:srgbClr val="2B809D"/>
-              </a:solidFill>
-              <a:ln>
-                <a:noFill/>
-              </a:ln>
-            </p:spPr>
-            <p:style>
-              <a:lnRef idx="2">
-                <a:schemeClr val="accent1">
-                  <a:shade val="50000"/>
-                </a:schemeClr>
-              </a:lnRef>
-              <a:fillRef idx="1">
-                <a:schemeClr val="accent1"/>
-              </a:fillRef>
-              <a:effectRef idx="0">
-                <a:schemeClr val="accent1"/>
-              </a:effectRef>
-              <a:fontRef idx="minor">
-                <a:schemeClr val="lt1"/>
-              </a:fontRef>
-            </p:style>
-            <p:txBody>
-              <a:bodyPr rtlCol="0" anchor="ctr"/>
-              <a:lstStyle/>
-              <a:p>
-                <a:pPr algn="ctr"/>
-                <a:r>
-                  <a:rPr lang="en-US" sz="2400" b="1" dirty="0">
-                    <a:solidFill>
-                      <a:srgbClr val="7030A0"/>
-                    </a:solidFill>
-                  </a:rPr>
-                  <a:t>SSP3</a:t>
-                </a:r>
-              </a:p>
-            </p:txBody>
-          </p:sp>
-          <p:sp>
-            <p:nvSpPr>
-              <p:cNvPr id="29" name="Rectangle: Rounded Corners 28">
-                <a:extLst>
-                  <a:ext uri="{FF2B5EF4-FFF2-40B4-BE49-F238E27FC236}">
-                    <a16:creationId xmlns:a16="http://schemas.microsoft.com/office/drawing/2014/main" id="{10F2FC25-D984-5A25-87F4-87E0F453392F}"/>
-                  </a:ext>
-                </a:extLst>
-              </p:cNvPr>
-              <p:cNvSpPr/>
-              <p:nvPr/>
-            </p:nvSpPr>
-            <p:spPr>
-              <a:xfrm>
-                <a:off x="3938817" y="17536266"/>
-                <a:ext cx="765890" cy="374070"/>
-              </a:xfrm>
-              <a:prstGeom prst="roundRect">
-                <a:avLst/>
-              </a:prstGeom>
-              <a:solidFill>
-                <a:srgbClr val="2B809D"/>
-              </a:solidFill>
-              <a:ln>
-                <a:noFill/>
-              </a:ln>
-            </p:spPr>
-            <p:style>
-              <a:lnRef idx="2">
-                <a:schemeClr val="accent1">
-                  <a:shade val="50000"/>
-                </a:schemeClr>
-              </a:lnRef>
-              <a:fillRef idx="1">
-                <a:schemeClr val="accent1"/>
-              </a:fillRef>
-              <a:effectRef idx="0">
-                <a:schemeClr val="accent1"/>
-              </a:effectRef>
-              <a:fontRef idx="minor">
-                <a:schemeClr val="lt1"/>
-              </a:fontRef>
-            </p:style>
-            <p:txBody>
-              <a:bodyPr rtlCol="0" anchor="ctr"/>
-              <a:lstStyle/>
-              <a:p>
-                <a:pPr algn="ctr"/>
-                <a:r>
-                  <a:rPr lang="en-US" sz="2400" b="1" dirty="0">
-                    <a:solidFill>
-                      <a:srgbClr val="FFC000"/>
-                    </a:solidFill>
-                  </a:rPr>
-                  <a:t>SSP5</a:t>
-                </a:r>
-                <a:endParaRPr lang="en-US" b="1" dirty="0">
-                  <a:solidFill>
-                    <a:srgbClr val="FFC000"/>
-                  </a:solidFill>
-                </a:endParaRPr>
-              </a:p>
-            </p:txBody>
-          </p:sp>
-          <p:sp>
-            <p:nvSpPr>
-              <p:cNvPr id="30" name="Rectangle: Rounded Corners 29">
-                <a:extLst>
-                  <a:ext uri="{FF2B5EF4-FFF2-40B4-BE49-F238E27FC236}">
-                    <a16:creationId xmlns:a16="http://schemas.microsoft.com/office/drawing/2014/main" id="{C0D93ADD-A953-8D3C-2004-CAE7A7C1EDEE}"/>
-                  </a:ext>
-                </a:extLst>
-              </p:cNvPr>
-              <p:cNvSpPr/>
-              <p:nvPr/>
-            </p:nvSpPr>
-            <p:spPr>
-              <a:xfrm>
-                <a:off x="1791128" y="17415769"/>
-                <a:ext cx="1688672" cy="263577"/>
-              </a:xfrm>
-              <a:prstGeom prst="roundRect">
-                <a:avLst/>
-              </a:prstGeom>
-              <a:solidFill>
-                <a:srgbClr val="2B809D"/>
-              </a:solidFill>
-              <a:ln>
-                <a:noFill/>
-              </a:ln>
-            </p:spPr>
-            <p:style>
-              <a:lnRef idx="2">
-                <a:schemeClr val="accent1">
-                  <a:shade val="50000"/>
-                </a:schemeClr>
-              </a:lnRef>
-              <a:fillRef idx="1">
-                <a:schemeClr val="accent1"/>
-              </a:fillRef>
-              <a:effectRef idx="0">
-                <a:schemeClr val="accent1"/>
-              </a:effectRef>
-              <a:fontRef idx="minor">
-                <a:schemeClr val="lt1"/>
-              </a:fontRef>
-            </p:style>
-            <p:txBody>
-              <a:bodyPr rtlCol="0" anchor="ctr"/>
-              <a:lstStyle/>
-              <a:p>
-                <a:pPr algn="ctr"/>
-                <a:r>
-                  <a:rPr lang="en-US" sz="2400" b="1" dirty="0">
-                    <a:solidFill>
-                      <a:srgbClr val="C00000"/>
-                    </a:solidFill>
-                  </a:rPr>
-                  <a:t>RCP4.5 Hotter</a:t>
-                </a:r>
-              </a:p>
-            </p:txBody>
-          </p:sp>
-          <p:sp>
-            <p:nvSpPr>
-              <p:cNvPr id="31" name="Rectangle: Rounded Corners 30">
-                <a:extLst>
-                  <a:ext uri="{FF2B5EF4-FFF2-40B4-BE49-F238E27FC236}">
-                    <a16:creationId xmlns:a16="http://schemas.microsoft.com/office/drawing/2014/main" id="{2F4E21C5-1D75-D935-2926-C358790CA57A}"/>
-                  </a:ext>
-                </a:extLst>
-              </p:cNvPr>
-              <p:cNvSpPr/>
-              <p:nvPr/>
-            </p:nvSpPr>
-            <p:spPr>
-              <a:xfrm>
-                <a:off x="1791128" y="17854243"/>
-                <a:ext cx="1688672" cy="229271"/>
-              </a:xfrm>
-              <a:prstGeom prst="roundRect">
-                <a:avLst/>
-              </a:prstGeom>
-              <a:solidFill>
-                <a:srgbClr val="2B809D"/>
-              </a:solidFill>
-              <a:ln>
-                <a:noFill/>
-              </a:ln>
-            </p:spPr>
-            <p:style>
-              <a:lnRef idx="2">
-                <a:schemeClr val="accent1">
-                  <a:shade val="50000"/>
-                </a:schemeClr>
-              </a:lnRef>
-              <a:fillRef idx="1">
-                <a:schemeClr val="accent1"/>
-              </a:fillRef>
-              <a:effectRef idx="0">
-                <a:schemeClr val="accent1"/>
-              </a:effectRef>
-              <a:fontRef idx="minor">
-                <a:schemeClr val="lt1"/>
-              </a:fontRef>
-            </p:style>
-            <p:txBody>
-              <a:bodyPr rtlCol="0" anchor="ctr"/>
-              <a:lstStyle/>
-              <a:p>
-                <a:pPr algn="ctr"/>
-                <a:r>
-                  <a:rPr lang="en-US" sz="2400" b="1" dirty="0">
-                    <a:solidFill>
-                      <a:srgbClr val="002060"/>
-                    </a:solidFill>
-                  </a:rPr>
-                  <a:t>RCP8.5 Cooler</a:t>
-                </a:r>
-              </a:p>
-            </p:txBody>
-          </p:sp>
-          <p:sp>
-            <p:nvSpPr>
-              <p:cNvPr id="32" name="Rectangle: Rounded Corners 31">
-                <a:extLst>
-                  <a:ext uri="{FF2B5EF4-FFF2-40B4-BE49-F238E27FC236}">
-                    <a16:creationId xmlns:a16="http://schemas.microsoft.com/office/drawing/2014/main" id="{32754980-AE04-B1EB-49BF-153E37A1FAC6}"/>
-                  </a:ext>
-                </a:extLst>
-              </p:cNvPr>
-              <p:cNvSpPr/>
-              <p:nvPr/>
-            </p:nvSpPr>
-            <p:spPr>
-              <a:xfrm>
-                <a:off x="1791128" y="17026655"/>
-                <a:ext cx="1688672" cy="233471"/>
-              </a:xfrm>
-              <a:prstGeom prst="roundRect">
-                <a:avLst/>
-              </a:prstGeom>
-              <a:solidFill>
-                <a:srgbClr val="2B809D"/>
-              </a:solidFill>
-              <a:ln>
-                <a:noFill/>
-              </a:ln>
-            </p:spPr>
-            <p:style>
-              <a:lnRef idx="2">
-                <a:schemeClr val="accent1">
-                  <a:shade val="50000"/>
-                </a:schemeClr>
-              </a:lnRef>
-              <a:fillRef idx="1">
-                <a:schemeClr val="accent1"/>
-              </a:fillRef>
-              <a:effectRef idx="0">
-                <a:schemeClr val="accent1"/>
-              </a:effectRef>
-              <a:fontRef idx="minor">
-                <a:schemeClr val="lt1"/>
-              </a:fontRef>
-            </p:style>
-            <p:txBody>
-              <a:bodyPr rtlCol="0" anchor="ctr"/>
-              <a:lstStyle/>
-              <a:p>
-                <a:pPr algn="ctr"/>
-                <a:r>
-                  <a:rPr lang="en-US" sz="2400" b="1" dirty="0">
-                    <a:solidFill>
-                      <a:srgbClr val="002060"/>
-                    </a:solidFill>
-                  </a:rPr>
-                  <a:t>RCP4.5 Cooler</a:t>
-                </a:r>
-              </a:p>
-            </p:txBody>
-          </p:sp>
-          <p:sp>
-            <p:nvSpPr>
-              <p:cNvPr id="33" name="Rectangle: Rounded Corners 32">
-                <a:extLst>
-                  <a:ext uri="{FF2B5EF4-FFF2-40B4-BE49-F238E27FC236}">
-                    <a16:creationId xmlns:a16="http://schemas.microsoft.com/office/drawing/2014/main" id="{642FCBFA-2887-7153-4F5A-26C616F1FAAB}"/>
-                  </a:ext>
-                </a:extLst>
-              </p:cNvPr>
-              <p:cNvSpPr/>
-              <p:nvPr/>
-            </p:nvSpPr>
-            <p:spPr>
-              <a:xfrm>
-                <a:off x="1791128" y="18262701"/>
-                <a:ext cx="1688672" cy="251047"/>
-              </a:xfrm>
-              <a:prstGeom prst="roundRect">
-                <a:avLst/>
-              </a:prstGeom>
-              <a:solidFill>
-                <a:srgbClr val="2B809D"/>
-              </a:solidFill>
-              <a:ln>
-                <a:noFill/>
-              </a:ln>
-            </p:spPr>
-            <p:style>
-              <a:lnRef idx="2">
-                <a:schemeClr val="accent1">
-                  <a:shade val="50000"/>
-                </a:schemeClr>
-              </a:lnRef>
-              <a:fillRef idx="1">
-                <a:schemeClr val="accent1"/>
-              </a:fillRef>
-              <a:effectRef idx="0">
-                <a:schemeClr val="accent1"/>
-              </a:effectRef>
-              <a:fontRef idx="minor">
-                <a:schemeClr val="lt1"/>
-              </a:fontRef>
-            </p:style>
-            <p:txBody>
-              <a:bodyPr rtlCol="0" anchor="ctr"/>
-              <a:lstStyle/>
-              <a:p>
-                <a:pPr algn="ctr"/>
-                <a:r>
-                  <a:rPr lang="en-US" sz="2400" b="1" dirty="0">
-                    <a:solidFill>
-                      <a:srgbClr val="C00000"/>
-                    </a:solidFill>
-                  </a:rPr>
-                  <a:t>RCP8.5 Hotter</a:t>
-                </a:r>
-              </a:p>
-            </p:txBody>
-          </p:sp>
-          <p:cxnSp>
-            <p:nvCxnSpPr>
-              <p:cNvPr id="34" name="Straight Arrow Connector 33">
-                <a:extLst>
-                  <a:ext uri="{FF2B5EF4-FFF2-40B4-BE49-F238E27FC236}">
-                    <a16:creationId xmlns:a16="http://schemas.microsoft.com/office/drawing/2014/main" id="{C6BCDBCA-2A30-0973-F08A-023B9BBA091C}"/>
-                  </a:ext>
-                </a:extLst>
-              </p:cNvPr>
-              <p:cNvCxnSpPr>
-                <a:cxnSpLocks/>
-                <a:stCxn id="28" idx="3"/>
-                <a:endCxn id="32" idx="1"/>
-              </p:cNvCxnSpPr>
-              <p:nvPr/>
-            </p:nvCxnSpPr>
-            <p:spPr>
-              <a:xfrm flipV="1">
-                <a:off x="1364523" y="17143390"/>
-                <a:ext cx="426605" cy="579909"/>
-              </a:xfrm>
-              <a:prstGeom prst="straightConnector1">
-                <a:avLst/>
-              </a:prstGeom>
-              <a:ln w="57150">
-                <a:solidFill>
-                  <a:srgbClr val="7030A0"/>
-                </a:solidFill>
-                <a:tailEnd type="triangle"/>
-              </a:ln>
-            </p:spPr>
-            <p:style>
-              <a:lnRef idx="1">
-                <a:schemeClr val="accent1"/>
-              </a:lnRef>
-              <a:fillRef idx="0">
-                <a:schemeClr val="accent1"/>
-              </a:fillRef>
-              <a:effectRef idx="0">
-                <a:schemeClr val="accent1"/>
-              </a:effectRef>
-              <a:fontRef idx="minor">
-                <a:schemeClr val="tx1"/>
-              </a:fontRef>
-            </p:style>
-          </p:cxnSp>
-          <p:cxnSp>
-            <p:nvCxnSpPr>
-              <p:cNvPr id="35" name="Straight Arrow Connector 34">
-                <a:extLst>
-                  <a:ext uri="{FF2B5EF4-FFF2-40B4-BE49-F238E27FC236}">
-                    <a16:creationId xmlns:a16="http://schemas.microsoft.com/office/drawing/2014/main" id="{BE316B7A-FF82-70D5-E42A-0E7F854108FD}"/>
-                  </a:ext>
-                </a:extLst>
-              </p:cNvPr>
-              <p:cNvCxnSpPr>
-                <a:cxnSpLocks/>
-                <a:stCxn id="28" idx="3"/>
-                <a:endCxn id="30" idx="1"/>
-              </p:cNvCxnSpPr>
-              <p:nvPr/>
-            </p:nvCxnSpPr>
-            <p:spPr>
-              <a:xfrm flipV="1">
-                <a:off x="1364523" y="17547558"/>
-                <a:ext cx="426605" cy="175742"/>
-              </a:xfrm>
-              <a:prstGeom prst="straightConnector1">
-                <a:avLst/>
-              </a:prstGeom>
-              <a:ln w="57150">
-                <a:solidFill>
-                  <a:srgbClr val="7030A0"/>
-                </a:solidFill>
-                <a:tailEnd type="triangle"/>
-              </a:ln>
-            </p:spPr>
-            <p:style>
-              <a:lnRef idx="1">
-                <a:schemeClr val="accent1"/>
-              </a:lnRef>
-              <a:fillRef idx="0">
-                <a:schemeClr val="accent1"/>
-              </a:fillRef>
-              <a:effectRef idx="0">
-                <a:schemeClr val="accent1"/>
-              </a:effectRef>
-              <a:fontRef idx="minor">
-                <a:schemeClr val="tx1"/>
-              </a:fontRef>
-            </p:style>
-          </p:cxnSp>
-          <p:cxnSp>
-            <p:nvCxnSpPr>
-              <p:cNvPr id="36" name="Straight Arrow Connector 35">
-                <a:extLst>
-                  <a:ext uri="{FF2B5EF4-FFF2-40B4-BE49-F238E27FC236}">
-                    <a16:creationId xmlns:a16="http://schemas.microsoft.com/office/drawing/2014/main" id="{EC09CC58-231A-ED9A-D2DE-64CADA2091F1}"/>
-                  </a:ext>
-                </a:extLst>
-              </p:cNvPr>
-              <p:cNvCxnSpPr>
-                <a:cxnSpLocks/>
-                <a:stCxn id="28" idx="3"/>
-                <a:endCxn id="31" idx="1"/>
-              </p:cNvCxnSpPr>
-              <p:nvPr/>
-            </p:nvCxnSpPr>
-            <p:spPr>
-              <a:xfrm>
-                <a:off x="1364523" y="17723300"/>
-                <a:ext cx="426605" cy="245578"/>
-              </a:xfrm>
-              <a:prstGeom prst="straightConnector1">
-                <a:avLst/>
-              </a:prstGeom>
-              <a:ln w="57150">
-                <a:solidFill>
-                  <a:srgbClr val="7030A0"/>
-                </a:solidFill>
-                <a:tailEnd type="triangle"/>
-              </a:ln>
-            </p:spPr>
-            <p:style>
-              <a:lnRef idx="1">
-                <a:schemeClr val="accent1"/>
-              </a:lnRef>
-              <a:fillRef idx="0">
-                <a:schemeClr val="accent1"/>
-              </a:fillRef>
-              <a:effectRef idx="0">
-                <a:schemeClr val="accent1"/>
-              </a:effectRef>
-              <a:fontRef idx="minor">
-                <a:schemeClr val="tx1"/>
-              </a:fontRef>
-            </p:style>
-          </p:cxnSp>
-          <p:cxnSp>
-            <p:nvCxnSpPr>
-              <p:cNvPr id="37" name="Straight Arrow Connector 36">
-                <a:extLst>
-                  <a:ext uri="{FF2B5EF4-FFF2-40B4-BE49-F238E27FC236}">
-                    <a16:creationId xmlns:a16="http://schemas.microsoft.com/office/drawing/2014/main" id="{24AD5737-9FEE-5CA8-C28F-9B589AF1F15C}"/>
-                  </a:ext>
-                </a:extLst>
-              </p:cNvPr>
-              <p:cNvCxnSpPr>
-                <a:cxnSpLocks/>
-                <a:stCxn id="28" idx="3"/>
-                <a:endCxn id="33" idx="1"/>
-              </p:cNvCxnSpPr>
-              <p:nvPr/>
-            </p:nvCxnSpPr>
-            <p:spPr>
-              <a:xfrm>
-                <a:off x="1364523" y="17723300"/>
-                <a:ext cx="426605" cy="664924"/>
-              </a:xfrm>
-              <a:prstGeom prst="straightConnector1">
-                <a:avLst/>
-              </a:prstGeom>
-              <a:ln w="57150">
-                <a:solidFill>
-                  <a:srgbClr val="7030A0"/>
-                </a:solidFill>
-                <a:tailEnd type="triangle"/>
-              </a:ln>
-            </p:spPr>
-            <p:style>
-              <a:lnRef idx="1">
-                <a:schemeClr val="accent1"/>
-              </a:lnRef>
-              <a:fillRef idx="0">
-                <a:schemeClr val="accent1"/>
-              </a:fillRef>
-              <a:effectRef idx="0">
-                <a:schemeClr val="accent1"/>
-              </a:effectRef>
-              <a:fontRef idx="minor">
-                <a:schemeClr val="tx1"/>
-              </a:fontRef>
-            </p:style>
-          </p:cxnSp>
-          <p:cxnSp>
-            <p:nvCxnSpPr>
-              <p:cNvPr id="38" name="Straight Arrow Connector 37">
-                <a:extLst>
-                  <a:ext uri="{FF2B5EF4-FFF2-40B4-BE49-F238E27FC236}">
-                    <a16:creationId xmlns:a16="http://schemas.microsoft.com/office/drawing/2014/main" id="{D18C5DEE-CB87-67A4-9B9E-506E25917752}"/>
-                  </a:ext>
-                </a:extLst>
-              </p:cNvPr>
-              <p:cNvCxnSpPr>
-                <a:cxnSpLocks/>
-                <a:stCxn id="29" idx="1"/>
-                <a:endCxn id="32" idx="3"/>
-              </p:cNvCxnSpPr>
-              <p:nvPr/>
-            </p:nvCxnSpPr>
-            <p:spPr>
-              <a:xfrm flipH="1" flipV="1">
-                <a:off x="3479800" y="17143390"/>
-                <a:ext cx="459017" cy="579909"/>
-              </a:xfrm>
-              <a:prstGeom prst="straightConnector1">
-                <a:avLst/>
-              </a:prstGeom>
-              <a:ln w="57150">
-                <a:solidFill>
-                  <a:srgbClr val="FFC000"/>
-                </a:solidFill>
-                <a:tailEnd type="triangle"/>
-              </a:ln>
-            </p:spPr>
-            <p:style>
-              <a:lnRef idx="1">
-                <a:schemeClr val="accent1"/>
-              </a:lnRef>
-              <a:fillRef idx="0">
-                <a:schemeClr val="accent1"/>
-              </a:fillRef>
-              <a:effectRef idx="0">
-                <a:schemeClr val="accent1"/>
-              </a:effectRef>
-              <a:fontRef idx="minor">
-                <a:schemeClr val="tx1"/>
-              </a:fontRef>
-            </p:style>
-          </p:cxnSp>
-          <p:cxnSp>
-            <p:nvCxnSpPr>
-              <p:cNvPr id="39" name="Straight Arrow Connector 38">
-                <a:extLst>
-                  <a:ext uri="{FF2B5EF4-FFF2-40B4-BE49-F238E27FC236}">
-                    <a16:creationId xmlns:a16="http://schemas.microsoft.com/office/drawing/2014/main" id="{A9C6C85F-F218-B610-ED53-A3637BF3C56E}"/>
-                  </a:ext>
-                </a:extLst>
-              </p:cNvPr>
-              <p:cNvCxnSpPr>
-                <a:cxnSpLocks/>
-                <a:stCxn id="29" idx="1"/>
-                <a:endCxn id="30" idx="3"/>
-              </p:cNvCxnSpPr>
-              <p:nvPr/>
-            </p:nvCxnSpPr>
-            <p:spPr>
-              <a:xfrm flipH="1" flipV="1">
-                <a:off x="3479800" y="17547558"/>
-                <a:ext cx="459017" cy="175742"/>
-              </a:xfrm>
-              <a:prstGeom prst="straightConnector1">
-                <a:avLst/>
-              </a:prstGeom>
-              <a:ln w="57150">
-                <a:solidFill>
-                  <a:srgbClr val="FFC000"/>
-                </a:solidFill>
-                <a:tailEnd type="triangle"/>
-              </a:ln>
-            </p:spPr>
-            <p:style>
-              <a:lnRef idx="1">
-                <a:schemeClr val="accent1"/>
-              </a:lnRef>
-              <a:fillRef idx="0">
-                <a:schemeClr val="accent1"/>
-              </a:fillRef>
-              <a:effectRef idx="0">
-                <a:schemeClr val="accent1"/>
-              </a:effectRef>
-              <a:fontRef idx="minor">
-                <a:schemeClr val="tx1"/>
-              </a:fontRef>
-            </p:style>
-          </p:cxnSp>
-          <p:cxnSp>
-            <p:nvCxnSpPr>
-              <p:cNvPr id="40" name="Straight Arrow Connector 39">
-                <a:extLst>
-                  <a:ext uri="{FF2B5EF4-FFF2-40B4-BE49-F238E27FC236}">
-                    <a16:creationId xmlns:a16="http://schemas.microsoft.com/office/drawing/2014/main" id="{71C844C9-CB31-3AC5-E221-1E1EEFD91F0E}"/>
-                  </a:ext>
-                </a:extLst>
-              </p:cNvPr>
-              <p:cNvCxnSpPr>
-                <a:cxnSpLocks/>
-                <a:stCxn id="29" idx="1"/>
-                <a:endCxn id="31" idx="3"/>
-              </p:cNvCxnSpPr>
-              <p:nvPr/>
-            </p:nvCxnSpPr>
-            <p:spPr>
-              <a:xfrm flipH="1">
-                <a:off x="3479800" y="17723300"/>
-                <a:ext cx="459017" cy="245578"/>
-              </a:xfrm>
-              <a:prstGeom prst="straightConnector1">
-                <a:avLst/>
-              </a:prstGeom>
-              <a:ln w="57150">
-                <a:solidFill>
-                  <a:srgbClr val="FFC000"/>
-                </a:solidFill>
-                <a:tailEnd type="triangle"/>
-              </a:ln>
-            </p:spPr>
-            <p:style>
-              <a:lnRef idx="1">
-                <a:schemeClr val="accent1"/>
-              </a:lnRef>
-              <a:fillRef idx="0">
-                <a:schemeClr val="accent1"/>
-              </a:fillRef>
-              <a:effectRef idx="0">
-                <a:schemeClr val="accent1"/>
-              </a:effectRef>
-              <a:fontRef idx="minor">
-                <a:schemeClr val="tx1"/>
-              </a:fontRef>
-            </p:style>
-          </p:cxnSp>
-          <p:cxnSp>
-            <p:nvCxnSpPr>
-              <p:cNvPr id="41" name="Straight Arrow Connector 40">
-                <a:extLst>
-                  <a:ext uri="{FF2B5EF4-FFF2-40B4-BE49-F238E27FC236}">
-                    <a16:creationId xmlns:a16="http://schemas.microsoft.com/office/drawing/2014/main" id="{008BC5CF-80E4-908B-A47A-66E23077A612}"/>
-                  </a:ext>
-                </a:extLst>
-              </p:cNvPr>
-              <p:cNvCxnSpPr>
-                <a:cxnSpLocks/>
-                <a:stCxn id="29" idx="1"/>
-                <a:endCxn id="33" idx="3"/>
-              </p:cNvCxnSpPr>
-              <p:nvPr/>
-            </p:nvCxnSpPr>
-            <p:spPr>
-              <a:xfrm flipH="1">
-                <a:off x="3479800" y="17723300"/>
-                <a:ext cx="459017" cy="664924"/>
-              </a:xfrm>
-              <a:prstGeom prst="straightConnector1">
-                <a:avLst/>
-              </a:prstGeom>
-              <a:ln w="57150">
-                <a:solidFill>
-                  <a:srgbClr val="FFC000"/>
-                </a:solidFill>
-                <a:tailEnd type="triangle"/>
-              </a:ln>
-            </p:spPr>
-            <p:style>
-              <a:lnRef idx="1">
-                <a:schemeClr val="accent1"/>
-              </a:lnRef>
-              <a:fillRef idx="0">
-                <a:schemeClr val="accent1"/>
-              </a:fillRef>
-              <a:effectRef idx="0">
-                <a:schemeClr val="accent1"/>
-              </a:effectRef>
-              <a:fontRef idx="minor">
-                <a:schemeClr val="tx1"/>
-              </a:fontRef>
-            </p:style>
-          </p:cxnSp>
-        </p:grpSp>
-        <p:sp>
-          <p:nvSpPr>
-            <p:cNvPr id="7" name="Rectangle: Rounded Corners 6">
-              <a:extLst>
-                <a:ext uri="{FF2B5EF4-FFF2-40B4-BE49-F238E27FC236}">
-                  <a16:creationId xmlns:a16="http://schemas.microsoft.com/office/drawing/2014/main" id="{6466E454-6561-2186-88F6-ED32960BD4E0}"/>
-                </a:ext>
-              </a:extLst>
-            </p:cNvPr>
-            <p:cNvSpPr/>
-            <p:nvPr/>
-          </p:nvSpPr>
-          <p:spPr>
-            <a:xfrm>
-              <a:off x="7866335" y="16366918"/>
-              <a:ext cx="5689599" cy="2856526"/>
-            </a:xfrm>
-            <a:prstGeom prst="roundRect">
-              <a:avLst/>
-            </a:prstGeom>
+            <a:tailEnd type="triangle"/>
+          </a:ln>
+        </p:spPr>
+        <p:style>
+          <a:lnRef idx="1">
+            <a:schemeClr val="accent1"/>
+          </a:lnRef>
+          <a:fillRef idx="0">
+            <a:schemeClr val="accent1"/>
+          </a:fillRef>
+          <a:effectRef idx="0">
+            <a:schemeClr val="accent1"/>
+          </a:effectRef>
+          <a:fontRef idx="minor">
+            <a:schemeClr val="tx1"/>
+          </a:fontRef>
+        </p:style>
+      </p:cxnSp>
+      <p:cxnSp>
+        <p:nvCxnSpPr>
+          <p:cNvPr id="13" name="Connector: Elbow 12">
+            <a:extLst>
+              <a:ext uri="{FF2B5EF4-FFF2-40B4-BE49-F238E27FC236}">
+                <a16:creationId xmlns:a16="http://schemas.microsoft.com/office/drawing/2014/main" id="{E7DFD684-7AB1-34BE-13C6-B07DF3C4854B}"/>
+              </a:ext>
+            </a:extLst>
+          </p:cNvPr>
+          <p:cNvCxnSpPr>
+            <a:cxnSpLocks/>
+            <a:stCxn id="18" idx="3"/>
+            <a:endCxn id="10" idx="1"/>
+          </p:cNvCxnSpPr>
+          <p:nvPr/>
+        </p:nvCxnSpPr>
+        <p:spPr>
+          <a:xfrm flipV="1">
+            <a:off x="9217819" y="2053633"/>
+            <a:ext cx="723976" cy="0"/>
+          </a:xfrm>
+          <a:prstGeom prst="bentConnector3">
+            <a:avLst>
+              <a:gd name="adj1" fmla="val 50000"/>
+            </a:avLst>
+          </a:prstGeom>
+          <a:ln w="88900">
             <a:solidFill>
               <a:srgbClr val="2B809D"/>
             </a:solidFill>
-            <a:ln>
-              <a:noFill/>
-            </a:ln>
-          </p:spPr>
-          <p:style>
-            <a:lnRef idx="2">
-              <a:schemeClr val="accent1">
-                <a:shade val="50000"/>
-              </a:schemeClr>
-            </a:lnRef>
-            <a:fillRef idx="1">
-              <a:schemeClr val="accent1"/>
-            </a:fillRef>
-            <a:effectRef idx="0">
-              <a:schemeClr val="accent1"/>
-            </a:effectRef>
-            <a:fontRef idx="minor">
-              <a:schemeClr val="lt1"/>
-            </a:fontRef>
-          </p:style>
-          <p:txBody>
-            <a:bodyPr rtlCol="0" anchor="ctr"/>
-            <a:lstStyle/>
-            <a:p>
-              <a:pPr algn="ctr"/>
-              <a:r>
-                <a:rPr lang="en-US" sz="2400" b="1" dirty="0"/>
-                <a:t>Monthly CanESM5 Temperature and Precipitation over 0.5-deg Globe</a:t>
-              </a:r>
-            </a:p>
-            <a:p>
-              <a:pPr algn="ctr"/>
-              <a:endParaRPr lang="en-US" dirty="0"/>
-            </a:p>
-            <a:p>
-              <a:pPr algn="ctr"/>
-              <a:r>
-                <a:rPr lang="en-US" sz="2400" b="1" dirty="0"/>
-                <a:t>Scenarios: </a:t>
-              </a:r>
-              <a:r>
-                <a:rPr lang="en-US" sz="2400" dirty="0"/>
-                <a:t>RCP4.5, RCP8.5</a:t>
-              </a:r>
-            </a:p>
-            <a:p>
-              <a:pPr algn="ctr"/>
-              <a:endParaRPr lang="en-US" b="1" dirty="0"/>
-            </a:p>
-            <a:p>
-              <a:pPr algn="ctr"/>
-              <a:r>
-                <a:rPr lang="en-US" sz="2400" b="1" dirty="0"/>
-                <a:t>Historic: </a:t>
-              </a:r>
-              <a:r>
-                <a:rPr lang="en-US" sz="2400" dirty="0"/>
-                <a:t>1850- 2015</a:t>
-              </a:r>
-              <a:endParaRPr lang="en-US" sz="2400" b="1" dirty="0"/>
-            </a:p>
-            <a:p>
-              <a:pPr algn="ctr"/>
-              <a:r>
-                <a:rPr lang="en-US" sz="2400" b="1" dirty="0"/>
-                <a:t>Projection:</a:t>
-              </a:r>
-              <a:r>
-                <a:rPr lang="en-US" sz="2400" dirty="0"/>
-                <a:t> 2015 - 2100</a:t>
-              </a:r>
-            </a:p>
-          </p:txBody>
-        </p:sp>
-        <p:grpSp>
-          <p:nvGrpSpPr>
-            <p:cNvPr id="8" name="Group 7">
-              <a:extLst>
-                <a:ext uri="{FF2B5EF4-FFF2-40B4-BE49-F238E27FC236}">
-                  <a16:creationId xmlns:a16="http://schemas.microsoft.com/office/drawing/2014/main" id="{632195DA-1B23-A1FD-795F-D17805A86E9E}"/>
-                </a:ext>
-              </a:extLst>
-            </p:cNvPr>
-            <p:cNvGrpSpPr/>
-            <p:nvPr/>
-          </p:nvGrpSpPr>
-          <p:grpSpPr>
-            <a:xfrm>
-              <a:off x="7973312" y="20853279"/>
-              <a:ext cx="5481619" cy="2135795"/>
-              <a:chOff x="592242" y="16648293"/>
-              <a:chExt cx="4043536" cy="1794408"/>
-            </a:xfrm>
-          </p:grpSpPr>
-          <p:sp>
-            <p:nvSpPr>
-              <p:cNvPr id="18" name="Rectangle: Rounded Corners 17">
-                <a:extLst>
-                  <a:ext uri="{FF2B5EF4-FFF2-40B4-BE49-F238E27FC236}">
-                    <a16:creationId xmlns:a16="http://schemas.microsoft.com/office/drawing/2014/main" id="{641E73C5-7775-3821-8B14-ED510F36A2A5}"/>
-                  </a:ext>
-                </a:extLst>
-              </p:cNvPr>
-              <p:cNvSpPr/>
-              <p:nvPr/>
-            </p:nvSpPr>
-            <p:spPr>
-              <a:xfrm>
-                <a:off x="592242" y="16648293"/>
-                <a:ext cx="4043536" cy="1794408"/>
-              </a:xfrm>
-              <a:prstGeom prst="roundRect">
-                <a:avLst/>
-              </a:prstGeom>
-              <a:solidFill>
-                <a:srgbClr val="2B809D"/>
-              </a:solidFill>
-              <a:ln>
-                <a:noFill/>
-              </a:ln>
-            </p:spPr>
-            <p:style>
-              <a:lnRef idx="2">
-                <a:schemeClr val="accent1">
-                  <a:shade val="50000"/>
-                </a:schemeClr>
-              </a:lnRef>
-              <a:fillRef idx="1">
-                <a:schemeClr val="accent1"/>
-              </a:fillRef>
-              <a:effectRef idx="0">
-                <a:schemeClr val="accent1"/>
-              </a:effectRef>
-              <a:fontRef idx="minor">
-                <a:schemeClr val="lt1"/>
-              </a:fontRef>
-            </p:style>
-            <p:txBody>
-              <a:bodyPr rtlCol="0" anchor="t"/>
-              <a:lstStyle/>
-              <a:p>
-                <a:pPr algn="ctr"/>
-                <a:r>
-                  <a:rPr lang="en-US" sz="2400" b="1" dirty="0"/>
-                  <a:t>Ag Productivity Change (Global Basins)</a:t>
-                </a:r>
-              </a:p>
-              <a:p>
-                <a:pPr algn="ctr"/>
-                <a:endParaRPr lang="en-US" dirty="0"/>
-              </a:p>
-            </p:txBody>
-          </p:sp>
-          <p:sp>
-            <p:nvSpPr>
-              <p:cNvPr id="19" name="Rectangle: Rounded Corners 18">
-                <a:extLst>
-                  <a:ext uri="{FF2B5EF4-FFF2-40B4-BE49-F238E27FC236}">
-                    <a16:creationId xmlns:a16="http://schemas.microsoft.com/office/drawing/2014/main" id="{5C9EE74E-7F2A-9E52-4045-91A8CAB8EA8C}"/>
-                  </a:ext>
-                </a:extLst>
-              </p:cNvPr>
-              <p:cNvSpPr/>
-              <p:nvPr/>
-            </p:nvSpPr>
-            <p:spPr>
-              <a:xfrm>
-                <a:off x="966218" y="17593512"/>
-                <a:ext cx="712548" cy="374068"/>
-              </a:xfrm>
-              <a:prstGeom prst="roundRect">
-                <a:avLst/>
-              </a:prstGeom>
-              <a:solidFill>
-                <a:srgbClr val="2B809D"/>
-              </a:solidFill>
-              <a:ln>
-                <a:noFill/>
-              </a:ln>
-            </p:spPr>
-            <p:style>
-              <a:lnRef idx="2">
-                <a:schemeClr val="accent1">
-                  <a:shade val="50000"/>
-                </a:schemeClr>
-              </a:lnRef>
-              <a:fillRef idx="1">
-                <a:schemeClr val="accent1"/>
-              </a:fillRef>
-              <a:effectRef idx="0">
-                <a:schemeClr val="accent1"/>
-              </a:effectRef>
-              <a:fontRef idx="minor">
-                <a:schemeClr val="lt1"/>
-              </a:fontRef>
-            </p:style>
-            <p:txBody>
-              <a:bodyPr rtlCol="0" anchor="ctr"/>
-              <a:lstStyle/>
-              <a:p>
-                <a:pPr algn="ctr"/>
-                <a:r>
-                  <a:rPr lang="en-US" sz="2400" b="1" dirty="0">
-                    <a:solidFill>
-                      <a:srgbClr val="7030A0"/>
-                    </a:solidFill>
-                  </a:rPr>
-                  <a:t>SSP3</a:t>
-                </a:r>
-              </a:p>
-            </p:txBody>
-          </p:sp>
-          <p:sp>
-            <p:nvSpPr>
-              <p:cNvPr id="20" name="Rectangle: Rounded Corners 19">
-                <a:extLst>
-                  <a:ext uri="{FF2B5EF4-FFF2-40B4-BE49-F238E27FC236}">
-                    <a16:creationId xmlns:a16="http://schemas.microsoft.com/office/drawing/2014/main" id="{507539FC-1C08-CD1D-7127-E089EA0EE3F4}"/>
-                  </a:ext>
-                </a:extLst>
-              </p:cNvPr>
-              <p:cNvSpPr/>
-              <p:nvPr/>
-            </p:nvSpPr>
-            <p:spPr>
-              <a:xfrm>
-                <a:off x="3597961" y="17593511"/>
-                <a:ext cx="756847" cy="374070"/>
-              </a:xfrm>
-              <a:prstGeom prst="roundRect">
-                <a:avLst/>
-              </a:prstGeom>
-              <a:solidFill>
-                <a:srgbClr val="2B809D"/>
-              </a:solidFill>
-              <a:ln>
-                <a:noFill/>
-              </a:ln>
-            </p:spPr>
-            <p:style>
-              <a:lnRef idx="2">
-                <a:schemeClr val="accent1">
-                  <a:shade val="50000"/>
-                </a:schemeClr>
-              </a:lnRef>
-              <a:fillRef idx="1">
-                <a:schemeClr val="accent1"/>
-              </a:fillRef>
-              <a:effectRef idx="0">
-                <a:schemeClr val="accent1"/>
-              </a:effectRef>
-              <a:fontRef idx="minor">
-                <a:schemeClr val="lt1"/>
-              </a:fontRef>
-            </p:style>
-            <p:txBody>
-              <a:bodyPr rtlCol="0" anchor="ctr"/>
-              <a:lstStyle/>
-              <a:p>
-                <a:pPr algn="ctr"/>
-                <a:r>
-                  <a:rPr lang="en-US" sz="2400" b="1" dirty="0">
-                    <a:solidFill>
-                      <a:srgbClr val="FFC000"/>
-                    </a:solidFill>
-                  </a:rPr>
-                  <a:t>SSP5</a:t>
-                </a:r>
-              </a:p>
-            </p:txBody>
-          </p:sp>
-          <p:sp>
-            <p:nvSpPr>
-              <p:cNvPr id="21" name="Rectangle: Rounded Corners 20">
-                <a:extLst>
-                  <a:ext uri="{FF2B5EF4-FFF2-40B4-BE49-F238E27FC236}">
-                    <a16:creationId xmlns:a16="http://schemas.microsoft.com/office/drawing/2014/main" id="{1060F586-7E38-A3C1-98FD-CD197C3228F5}"/>
-                  </a:ext>
-                </a:extLst>
-              </p:cNvPr>
-              <p:cNvSpPr/>
-              <p:nvPr/>
-            </p:nvSpPr>
-            <p:spPr>
-              <a:xfrm>
-                <a:off x="2155992" y="17412283"/>
-                <a:ext cx="958934" cy="215999"/>
-              </a:xfrm>
-              <a:prstGeom prst="roundRect">
-                <a:avLst/>
-              </a:prstGeom>
-              <a:solidFill>
-                <a:srgbClr val="2B809D"/>
-              </a:solidFill>
-              <a:ln>
-                <a:noFill/>
-              </a:ln>
-            </p:spPr>
-            <p:style>
-              <a:lnRef idx="2">
-                <a:schemeClr val="accent1">
-                  <a:shade val="50000"/>
-                </a:schemeClr>
-              </a:lnRef>
-              <a:fillRef idx="1">
-                <a:schemeClr val="accent1"/>
-              </a:fillRef>
-              <a:effectRef idx="0">
-                <a:schemeClr val="accent1"/>
-              </a:effectRef>
-              <a:fontRef idx="minor">
-                <a:schemeClr val="lt1"/>
-              </a:fontRef>
-            </p:style>
-            <p:txBody>
-              <a:bodyPr rtlCol="0" anchor="ctr"/>
-              <a:lstStyle/>
-              <a:p>
-                <a:pPr algn="ctr"/>
-                <a:r>
-                  <a:rPr lang="en-US" sz="2400" b="1" dirty="0"/>
-                  <a:t>RCP4.5</a:t>
-                </a:r>
-              </a:p>
-            </p:txBody>
-          </p:sp>
-          <p:sp>
-            <p:nvSpPr>
-              <p:cNvPr id="22" name="Rectangle: Rounded Corners 21">
-                <a:extLst>
-                  <a:ext uri="{FF2B5EF4-FFF2-40B4-BE49-F238E27FC236}">
-                    <a16:creationId xmlns:a16="http://schemas.microsoft.com/office/drawing/2014/main" id="{E740C981-E568-E899-236D-07F6BC7EEB5B}"/>
-                  </a:ext>
-                </a:extLst>
-              </p:cNvPr>
-              <p:cNvSpPr/>
-              <p:nvPr/>
-            </p:nvSpPr>
-            <p:spPr>
-              <a:xfrm>
-                <a:off x="2118635" y="17913623"/>
-                <a:ext cx="996288" cy="191619"/>
-              </a:xfrm>
-              <a:prstGeom prst="roundRect">
-                <a:avLst/>
-              </a:prstGeom>
-              <a:solidFill>
-                <a:srgbClr val="2B809D"/>
-              </a:solidFill>
-              <a:ln>
-                <a:noFill/>
-              </a:ln>
-            </p:spPr>
-            <p:style>
-              <a:lnRef idx="2">
-                <a:schemeClr val="accent1">
-                  <a:shade val="50000"/>
-                </a:schemeClr>
-              </a:lnRef>
-              <a:fillRef idx="1">
-                <a:schemeClr val="accent1"/>
-              </a:fillRef>
-              <a:effectRef idx="0">
-                <a:schemeClr val="accent1"/>
-              </a:effectRef>
-              <a:fontRef idx="minor">
-                <a:schemeClr val="lt1"/>
-              </a:fontRef>
-            </p:style>
-            <p:txBody>
-              <a:bodyPr rtlCol="0" anchor="ctr"/>
-              <a:lstStyle/>
-              <a:p>
-                <a:pPr algn="ctr"/>
-                <a:r>
-                  <a:rPr lang="en-US" sz="2400" b="1" dirty="0"/>
-                  <a:t>RCP8.5</a:t>
-                </a:r>
-              </a:p>
-            </p:txBody>
-          </p:sp>
-          <p:cxnSp>
-            <p:nvCxnSpPr>
-              <p:cNvPr id="23" name="Straight Arrow Connector 22">
-                <a:extLst>
-                  <a:ext uri="{FF2B5EF4-FFF2-40B4-BE49-F238E27FC236}">
-                    <a16:creationId xmlns:a16="http://schemas.microsoft.com/office/drawing/2014/main" id="{F6548737-5A00-BFC1-6737-C534D6BAB29B}"/>
-                  </a:ext>
-                </a:extLst>
-              </p:cNvPr>
-              <p:cNvCxnSpPr>
-                <a:cxnSpLocks/>
-                <a:stCxn id="19" idx="3"/>
-                <a:endCxn id="21" idx="1"/>
-              </p:cNvCxnSpPr>
-              <p:nvPr/>
-            </p:nvCxnSpPr>
-            <p:spPr>
-              <a:xfrm flipV="1">
-                <a:off x="1678764" y="17520283"/>
-                <a:ext cx="477225" cy="260264"/>
-              </a:xfrm>
-              <a:prstGeom prst="straightConnector1">
-                <a:avLst/>
-              </a:prstGeom>
-              <a:ln w="57150">
+            <a:tailEnd type="triangle"/>
+          </a:ln>
+        </p:spPr>
+        <p:style>
+          <a:lnRef idx="1">
+            <a:schemeClr val="accent1"/>
+          </a:lnRef>
+          <a:fillRef idx="0">
+            <a:schemeClr val="accent1"/>
+          </a:fillRef>
+          <a:effectRef idx="0">
+            <a:schemeClr val="accent1"/>
+          </a:effectRef>
+          <a:fontRef idx="minor">
+            <a:schemeClr val="tx1"/>
+          </a:fontRef>
+        </p:style>
+      </p:cxnSp>
+      <p:sp>
+        <p:nvSpPr>
+          <p:cNvPr id="14" name="Flowchart: Process 13">
+            <a:extLst>
+              <a:ext uri="{FF2B5EF4-FFF2-40B4-BE49-F238E27FC236}">
+                <a16:creationId xmlns:a16="http://schemas.microsoft.com/office/drawing/2014/main" id="{9EE0FFBD-AFC5-0A68-9FDC-44E7B10C6008}"/>
+              </a:ext>
+            </a:extLst>
+          </p:cNvPr>
+          <p:cNvSpPr/>
+          <p:nvPr/>
+        </p:nvSpPr>
+        <p:spPr>
+          <a:xfrm>
+            <a:off x="1408538" y="59968"/>
+            <a:ext cx="2187478" cy="532983"/>
+          </a:xfrm>
+          <a:prstGeom prst="flowChartProcess">
+            <a:avLst/>
+          </a:prstGeom>
+          <a:solidFill>
+            <a:schemeClr val="bg2"/>
+          </a:solidFill>
+        </p:spPr>
+        <p:style>
+          <a:lnRef idx="2">
+            <a:schemeClr val="accent1">
+              <a:shade val="50000"/>
+            </a:schemeClr>
+          </a:lnRef>
+          <a:fillRef idx="1">
+            <a:schemeClr val="accent1"/>
+          </a:fillRef>
+          <a:effectRef idx="0">
+            <a:schemeClr val="accent1"/>
+          </a:effectRef>
+          <a:fontRef idx="minor">
+            <a:schemeClr val="lt1"/>
+          </a:fontRef>
+        </p:style>
+        <p:txBody>
+          <a:bodyPr rtlCol="0" anchor="ctr"/>
+          <a:lstStyle/>
+          <a:p>
+            <a:pPr algn="ctr"/>
+            <a:r>
+              <a:rPr lang="en-US" sz="3199" b="1" dirty="0">
                 <a:solidFill>
-                  <a:srgbClr val="7030A0"/>
+                  <a:schemeClr val="tx1"/>
                 </a:solidFill>
-                <a:tailEnd type="triangle"/>
-              </a:ln>
-            </p:spPr>
-            <p:style>
-              <a:lnRef idx="1">
-                <a:schemeClr val="accent1"/>
-              </a:lnRef>
-              <a:fillRef idx="0">
-                <a:schemeClr val="accent1"/>
-              </a:fillRef>
-              <a:effectRef idx="0">
-                <a:schemeClr val="accent1"/>
-              </a:effectRef>
-              <a:fontRef idx="minor">
-                <a:schemeClr val="tx1"/>
-              </a:fontRef>
-            </p:style>
-          </p:cxnSp>
-          <p:cxnSp>
-            <p:nvCxnSpPr>
-              <p:cNvPr id="24" name="Straight Arrow Connector 23">
-                <a:extLst>
-                  <a:ext uri="{FF2B5EF4-FFF2-40B4-BE49-F238E27FC236}">
-                    <a16:creationId xmlns:a16="http://schemas.microsoft.com/office/drawing/2014/main" id="{2B67113F-E4AE-51E7-D608-07BE53F2BE7F}"/>
-                  </a:ext>
-                </a:extLst>
-              </p:cNvPr>
-              <p:cNvCxnSpPr>
-                <a:cxnSpLocks/>
-                <a:stCxn id="19" idx="3"/>
-                <a:endCxn id="22" idx="1"/>
-              </p:cNvCxnSpPr>
-              <p:nvPr/>
-            </p:nvCxnSpPr>
-            <p:spPr>
-              <a:xfrm>
-                <a:off x="1678767" y="17780546"/>
-                <a:ext cx="439870" cy="228886"/>
-              </a:xfrm>
-              <a:prstGeom prst="straightConnector1">
-                <a:avLst/>
-              </a:prstGeom>
-              <a:ln w="57150">
+              </a:rPr>
+              <a:t>Input Data</a:t>
+            </a:r>
+          </a:p>
+        </p:txBody>
+      </p:sp>
+      <p:sp>
+        <p:nvSpPr>
+          <p:cNvPr id="15" name="Flowchart: Process 14">
+            <a:extLst>
+              <a:ext uri="{FF2B5EF4-FFF2-40B4-BE49-F238E27FC236}">
+                <a16:creationId xmlns:a16="http://schemas.microsoft.com/office/drawing/2014/main" id="{B6F081D7-D144-94E0-6B34-4469BDB63138}"/>
+              </a:ext>
+            </a:extLst>
+          </p:cNvPr>
+          <p:cNvSpPr/>
+          <p:nvPr/>
+        </p:nvSpPr>
+        <p:spPr>
+          <a:xfrm>
+            <a:off x="6332354" y="59968"/>
+            <a:ext cx="2187478" cy="532983"/>
+          </a:xfrm>
+          <a:prstGeom prst="flowChartProcess">
+            <a:avLst/>
+          </a:prstGeom>
+          <a:solidFill>
+            <a:schemeClr val="bg2"/>
+          </a:solidFill>
+        </p:spPr>
+        <p:style>
+          <a:lnRef idx="2">
+            <a:schemeClr val="accent1">
+              <a:shade val="50000"/>
+            </a:schemeClr>
+          </a:lnRef>
+          <a:fillRef idx="1">
+            <a:schemeClr val="accent1"/>
+          </a:fillRef>
+          <a:effectRef idx="0">
+            <a:schemeClr val="accent1"/>
+          </a:effectRef>
+          <a:fontRef idx="minor">
+            <a:schemeClr val="lt1"/>
+          </a:fontRef>
+        </p:style>
+        <p:txBody>
+          <a:bodyPr rtlCol="0" anchor="ctr"/>
+          <a:lstStyle/>
+          <a:p>
+            <a:pPr algn="ctr"/>
+            <a:r>
+              <a:rPr lang="en-US" sz="3199" b="1" dirty="0">
                 <a:solidFill>
-                  <a:srgbClr val="7030A0"/>
+                  <a:schemeClr val="tx1"/>
                 </a:solidFill>
-                <a:tailEnd type="triangle"/>
-              </a:ln>
-            </p:spPr>
-            <p:style>
-              <a:lnRef idx="1">
-                <a:schemeClr val="accent1"/>
-              </a:lnRef>
-              <a:fillRef idx="0">
-                <a:schemeClr val="accent1"/>
-              </a:fillRef>
-              <a:effectRef idx="0">
-                <a:schemeClr val="accent1"/>
-              </a:effectRef>
-              <a:fontRef idx="minor">
-                <a:schemeClr val="tx1"/>
-              </a:fontRef>
-            </p:style>
-          </p:cxnSp>
-          <p:cxnSp>
-            <p:nvCxnSpPr>
-              <p:cNvPr id="25" name="Straight Arrow Connector 24">
-                <a:extLst>
-                  <a:ext uri="{FF2B5EF4-FFF2-40B4-BE49-F238E27FC236}">
-                    <a16:creationId xmlns:a16="http://schemas.microsoft.com/office/drawing/2014/main" id="{320BE0A4-9337-0B19-7DFF-CB16760FC582}"/>
-                  </a:ext>
-                </a:extLst>
-              </p:cNvPr>
-              <p:cNvCxnSpPr>
-                <a:cxnSpLocks/>
-                <a:stCxn id="20" idx="1"/>
-                <a:endCxn id="21" idx="3"/>
-              </p:cNvCxnSpPr>
-              <p:nvPr/>
-            </p:nvCxnSpPr>
-            <p:spPr>
-              <a:xfrm flipH="1" flipV="1">
-                <a:off x="3114927" y="17520283"/>
-                <a:ext cx="483036" cy="260264"/>
-              </a:xfrm>
-              <a:prstGeom prst="straightConnector1">
-                <a:avLst/>
-              </a:prstGeom>
-              <a:ln w="57150">
-                <a:solidFill>
-                  <a:srgbClr val="FFC000"/>
-                </a:solidFill>
-                <a:tailEnd type="triangle"/>
-              </a:ln>
-            </p:spPr>
-            <p:style>
-              <a:lnRef idx="1">
-                <a:schemeClr val="accent1"/>
-              </a:lnRef>
-              <a:fillRef idx="0">
-                <a:schemeClr val="accent1"/>
-              </a:fillRef>
-              <a:effectRef idx="0">
-                <a:schemeClr val="accent1"/>
-              </a:effectRef>
-              <a:fontRef idx="minor">
-                <a:schemeClr val="tx1"/>
-              </a:fontRef>
-            </p:style>
-          </p:cxnSp>
-          <p:cxnSp>
-            <p:nvCxnSpPr>
-              <p:cNvPr id="26" name="Straight Arrow Connector 25">
-                <a:extLst>
-                  <a:ext uri="{FF2B5EF4-FFF2-40B4-BE49-F238E27FC236}">
-                    <a16:creationId xmlns:a16="http://schemas.microsoft.com/office/drawing/2014/main" id="{68D426C5-3E8C-B8D0-7B8C-8EAF5865237D}"/>
-                  </a:ext>
-                </a:extLst>
-              </p:cNvPr>
-              <p:cNvCxnSpPr>
-                <a:cxnSpLocks/>
-                <a:stCxn id="20" idx="1"/>
-                <a:endCxn id="22" idx="3"/>
-              </p:cNvCxnSpPr>
-              <p:nvPr/>
-            </p:nvCxnSpPr>
-            <p:spPr>
-              <a:xfrm flipH="1">
-                <a:off x="3114924" y="17780546"/>
-                <a:ext cx="483037" cy="228886"/>
-              </a:xfrm>
-              <a:prstGeom prst="straightConnector1">
-                <a:avLst/>
-              </a:prstGeom>
-              <a:ln w="57150">
-                <a:solidFill>
-                  <a:srgbClr val="FFC000"/>
-                </a:solidFill>
-                <a:tailEnd type="triangle"/>
-              </a:ln>
-            </p:spPr>
-            <p:style>
-              <a:lnRef idx="1">
-                <a:schemeClr val="accent1"/>
-              </a:lnRef>
-              <a:fillRef idx="0">
-                <a:schemeClr val="accent1"/>
-              </a:fillRef>
-              <a:effectRef idx="0">
-                <a:schemeClr val="accent1"/>
-              </a:effectRef>
-              <a:fontRef idx="minor">
-                <a:schemeClr val="tx1"/>
-              </a:fontRef>
-            </p:style>
-          </p:cxnSp>
-        </p:grpSp>
-        <p:cxnSp>
-          <p:nvCxnSpPr>
-            <p:cNvPr id="9" name="Straight Arrow Connector 8">
-              <a:extLst>
-                <a:ext uri="{FF2B5EF4-FFF2-40B4-BE49-F238E27FC236}">
-                  <a16:creationId xmlns:a16="http://schemas.microsoft.com/office/drawing/2014/main" id="{B3F82BB2-9501-690F-E949-CBB19677EBA6}"/>
-                </a:ext>
-              </a:extLst>
-            </p:cNvPr>
-            <p:cNvCxnSpPr>
-              <a:cxnSpLocks/>
-              <a:stCxn id="5" idx="2"/>
-              <a:endCxn id="27" idx="0"/>
-            </p:cNvCxnSpPr>
-            <p:nvPr/>
-          </p:nvCxnSpPr>
-          <p:spPr>
-            <a:xfrm flipH="1">
-              <a:off x="4623707" y="19424209"/>
-              <a:ext cx="4914" cy="1062349"/>
-            </a:xfrm>
-            <a:prstGeom prst="straightConnector1">
-              <a:avLst/>
-            </a:prstGeom>
-            <a:ln w="88900">
-              <a:solidFill>
-                <a:srgbClr val="2B809D"/>
-              </a:solidFill>
-              <a:tailEnd type="triangle"/>
-            </a:ln>
-          </p:spPr>
-          <p:style>
-            <a:lnRef idx="1">
-              <a:schemeClr val="accent1"/>
-            </a:lnRef>
-            <a:fillRef idx="0">
-              <a:schemeClr val="accent1"/>
-            </a:fillRef>
-            <a:effectRef idx="0">
-              <a:schemeClr val="accent1"/>
-            </a:effectRef>
-            <a:fontRef idx="minor">
-              <a:schemeClr val="tx1"/>
-            </a:fontRef>
-          </p:style>
-        </p:cxnSp>
-        <p:sp>
-          <p:nvSpPr>
-            <p:cNvPr id="10" name="Rectangle: Rounded Corners 9">
-              <a:extLst>
-                <a:ext uri="{FF2B5EF4-FFF2-40B4-BE49-F238E27FC236}">
-                  <a16:creationId xmlns:a16="http://schemas.microsoft.com/office/drawing/2014/main" id="{2E7EB69A-B11E-92A4-842A-8FDE4F9DBF0E}"/>
-                </a:ext>
-              </a:extLst>
-            </p:cNvPr>
-            <p:cNvSpPr/>
-            <p:nvPr/>
-          </p:nvSpPr>
-          <p:spPr>
-            <a:xfrm>
-              <a:off x="5421092" y="24190590"/>
-              <a:ext cx="4527720" cy="959071"/>
-            </a:xfrm>
-            <a:prstGeom prst="roundRect">
-              <a:avLst/>
-            </a:prstGeom>
-            <a:solidFill>
-              <a:srgbClr val="2B809D"/>
-            </a:solidFill>
-            <a:ln>
-              <a:noFill/>
-            </a:ln>
-          </p:spPr>
-          <p:style>
-            <a:lnRef idx="2">
-              <a:schemeClr val="accent1">
-                <a:shade val="50000"/>
-              </a:schemeClr>
-            </a:lnRef>
-            <a:fillRef idx="1">
-              <a:schemeClr val="accent1"/>
-            </a:fillRef>
-            <a:effectRef idx="0">
-              <a:schemeClr val="accent1"/>
-            </a:effectRef>
-            <a:fontRef idx="minor">
-              <a:schemeClr val="lt1"/>
-            </a:fontRef>
-          </p:style>
-          <p:txBody>
-            <a:bodyPr rtlCol="0" anchor="ctr"/>
-            <a:lstStyle/>
-            <a:p>
-              <a:pPr algn="ctr"/>
-              <a:r>
-                <a:rPr lang="en-US" sz="2400" b="1" dirty="0"/>
-                <a:t>GCAM-USA</a:t>
-              </a:r>
-            </a:p>
-            <a:p>
-              <a:pPr algn="ctr"/>
-              <a:r>
-                <a:rPr lang="en-US" sz="2400" dirty="0"/>
-                <a:t>(2020 – 2100 at 5-year time step)</a:t>
-              </a:r>
-            </a:p>
-          </p:txBody>
-        </p:sp>
-        <p:cxnSp>
-          <p:nvCxnSpPr>
-            <p:cNvPr id="11" name="Straight Arrow Connector 10">
-              <a:extLst>
-                <a:ext uri="{FF2B5EF4-FFF2-40B4-BE49-F238E27FC236}">
-                  <a16:creationId xmlns:a16="http://schemas.microsoft.com/office/drawing/2014/main" id="{42C42899-7F0C-8244-76DD-9B982D7D9D47}"/>
-                </a:ext>
-              </a:extLst>
-            </p:cNvPr>
-            <p:cNvCxnSpPr>
-              <a:cxnSpLocks/>
-              <a:stCxn id="7" idx="2"/>
-              <a:endCxn id="18" idx="0"/>
-            </p:cNvCxnSpPr>
-            <p:nvPr/>
-          </p:nvCxnSpPr>
-          <p:spPr>
-            <a:xfrm>
-              <a:off x="10711135" y="19223444"/>
-              <a:ext cx="2987" cy="1629835"/>
-            </a:xfrm>
-            <a:prstGeom prst="straightConnector1">
-              <a:avLst/>
-            </a:prstGeom>
-            <a:ln w="88900">
-              <a:solidFill>
-                <a:srgbClr val="2B809D"/>
-              </a:solidFill>
-              <a:tailEnd type="triangle"/>
-            </a:ln>
-          </p:spPr>
-          <p:style>
-            <a:lnRef idx="1">
-              <a:schemeClr val="accent1"/>
-            </a:lnRef>
-            <a:fillRef idx="0">
-              <a:schemeClr val="accent1"/>
-            </a:fillRef>
-            <a:effectRef idx="0">
-              <a:schemeClr val="accent1"/>
-            </a:effectRef>
-            <a:fontRef idx="minor">
-              <a:schemeClr val="tx1"/>
-            </a:fontRef>
-          </p:style>
-        </p:cxnSp>
-        <p:cxnSp>
-          <p:nvCxnSpPr>
-            <p:cNvPr id="12" name="Connector: Elbow 11">
-              <a:extLst>
-                <a:ext uri="{FF2B5EF4-FFF2-40B4-BE49-F238E27FC236}">
-                  <a16:creationId xmlns:a16="http://schemas.microsoft.com/office/drawing/2014/main" id="{C6A57887-E0B7-1D9F-8D8A-BCFA871D7EF3}"/>
-                </a:ext>
-              </a:extLst>
-            </p:cNvPr>
-            <p:cNvCxnSpPr>
-              <a:cxnSpLocks/>
-              <a:stCxn id="27" idx="2"/>
-              <a:endCxn id="10" idx="1"/>
-            </p:cNvCxnSpPr>
-            <p:nvPr/>
-          </p:nvCxnSpPr>
-          <p:spPr>
-            <a:xfrm rot="16200000" flipH="1">
-              <a:off x="4433998" y="23683031"/>
-              <a:ext cx="1176803" cy="797385"/>
-            </a:xfrm>
-            <a:prstGeom prst="bentConnector2">
-              <a:avLst/>
-            </a:prstGeom>
-            <a:ln w="88900">
-              <a:solidFill>
-                <a:srgbClr val="2B809D"/>
-              </a:solidFill>
-              <a:tailEnd type="triangle"/>
-            </a:ln>
-          </p:spPr>
-          <p:style>
-            <a:lnRef idx="1">
-              <a:schemeClr val="accent1"/>
-            </a:lnRef>
-            <a:fillRef idx="0">
-              <a:schemeClr val="accent1"/>
-            </a:fillRef>
-            <a:effectRef idx="0">
-              <a:schemeClr val="accent1"/>
-            </a:effectRef>
-            <a:fontRef idx="minor">
-              <a:schemeClr val="tx1"/>
-            </a:fontRef>
-          </p:style>
-        </p:cxnSp>
-        <p:cxnSp>
-          <p:nvCxnSpPr>
-            <p:cNvPr id="13" name="Connector: Elbow 12">
-              <a:extLst>
-                <a:ext uri="{FF2B5EF4-FFF2-40B4-BE49-F238E27FC236}">
-                  <a16:creationId xmlns:a16="http://schemas.microsoft.com/office/drawing/2014/main" id="{E7DFD684-7AB1-34BE-13C6-B07DF3C4854B}"/>
-                </a:ext>
-              </a:extLst>
-            </p:cNvPr>
-            <p:cNvCxnSpPr>
-              <a:cxnSpLocks/>
-              <a:stCxn id="18" idx="2"/>
-              <a:endCxn id="10" idx="3"/>
-            </p:cNvCxnSpPr>
-            <p:nvPr/>
-          </p:nvCxnSpPr>
-          <p:spPr>
-            <a:xfrm rot="5400000">
-              <a:off x="9490941" y="23446945"/>
-              <a:ext cx="1681052" cy="765310"/>
-            </a:xfrm>
-            <a:prstGeom prst="bentConnector2">
-              <a:avLst/>
-            </a:prstGeom>
-            <a:ln w="88900">
-              <a:solidFill>
-                <a:srgbClr val="2B809D"/>
-              </a:solidFill>
-              <a:tailEnd type="triangle"/>
-            </a:ln>
-          </p:spPr>
-          <p:style>
-            <a:lnRef idx="1">
-              <a:schemeClr val="accent1"/>
-            </a:lnRef>
-            <a:fillRef idx="0">
-              <a:schemeClr val="accent1"/>
-            </a:fillRef>
-            <a:effectRef idx="0">
-              <a:schemeClr val="accent1"/>
-            </a:effectRef>
-            <a:fontRef idx="minor">
-              <a:schemeClr val="tx1"/>
-            </a:fontRef>
-          </p:style>
-        </p:cxnSp>
-        <p:sp>
-          <p:nvSpPr>
-            <p:cNvPr id="14" name="Flowchart: Process 13">
-              <a:extLst>
-                <a:ext uri="{FF2B5EF4-FFF2-40B4-BE49-F238E27FC236}">
-                  <a16:creationId xmlns:a16="http://schemas.microsoft.com/office/drawing/2014/main" id="{9EE0FFBD-AFC5-0A68-9FDC-44E7B10C6008}"/>
-                </a:ext>
-              </a:extLst>
-            </p:cNvPr>
-            <p:cNvSpPr/>
-            <p:nvPr/>
-          </p:nvSpPr>
-          <p:spPr>
-            <a:xfrm rot="16200000">
-              <a:off x="-73588" y="17516589"/>
-              <a:ext cx="2187477" cy="532984"/>
-            </a:xfrm>
-            <a:prstGeom prst="flowChartProcess">
-              <a:avLst/>
-            </a:prstGeom>
-            <a:solidFill>
-              <a:schemeClr val="bg2"/>
-            </a:solidFill>
-          </p:spPr>
-          <p:style>
-            <a:lnRef idx="2">
-              <a:schemeClr val="accent1">
-                <a:shade val="50000"/>
-              </a:schemeClr>
-            </a:lnRef>
-            <a:fillRef idx="1">
-              <a:schemeClr val="accent1"/>
-            </a:fillRef>
-            <a:effectRef idx="0">
-              <a:schemeClr val="accent1"/>
-            </a:effectRef>
-            <a:fontRef idx="minor">
-              <a:schemeClr val="lt1"/>
-            </a:fontRef>
-          </p:style>
-          <p:txBody>
-            <a:bodyPr rtlCol="0" anchor="ctr"/>
-            <a:lstStyle/>
-            <a:p>
-              <a:pPr algn="ctr"/>
-              <a:r>
-                <a:rPr lang="en-US" sz="3200" b="1" dirty="0">
-                  <a:solidFill>
-                    <a:schemeClr val="tx1"/>
-                  </a:solidFill>
-                </a:rPr>
-                <a:t>Input Data</a:t>
-              </a:r>
-            </a:p>
-          </p:txBody>
-        </p:sp>
-        <p:sp>
-          <p:nvSpPr>
-            <p:cNvPr id="15" name="Flowchart: Process 14">
-              <a:extLst>
-                <a:ext uri="{FF2B5EF4-FFF2-40B4-BE49-F238E27FC236}">
-                  <a16:creationId xmlns:a16="http://schemas.microsoft.com/office/drawing/2014/main" id="{B6F081D7-D144-94E0-6B34-4469BDB63138}"/>
-                </a:ext>
-              </a:extLst>
-            </p:cNvPr>
-            <p:cNvSpPr/>
-            <p:nvPr/>
-          </p:nvSpPr>
-          <p:spPr>
-            <a:xfrm rot="16200000">
-              <a:off x="-73588" y="21724531"/>
-              <a:ext cx="2187477" cy="532984"/>
-            </a:xfrm>
-            <a:prstGeom prst="flowChartProcess">
-              <a:avLst/>
-            </a:prstGeom>
-            <a:solidFill>
-              <a:schemeClr val="bg2"/>
-            </a:solidFill>
-          </p:spPr>
-          <p:style>
-            <a:lnRef idx="2">
-              <a:schemeClr val="accent1">
-                <a:shade val="50000"/>
-              </a:schemeClr>
-            </a:lnRef>
-            <a:fillRef idx="1">
-              <a:schemeClr val="accent1"/>
-            </a:fillRef>
-            <a:effectRef idx="0">
-              <a:schemeClr val="accent1"/>
-            </a:effectRef>
-            <a:fontRef idx="minor">
-              <a:schemeClr val="lt1"/>
-            </a:fontRef>
-          </p:style>
-          <p:txBody>
-            <a:bodyPr rtlCol="0" anchor="ctr"/>
-            <a:lstStyle/>
-            <a:p>
-              <a:pPr algn="ctr"/>
-              <a:r>
-                <a:rPr lang="en-US" sz="3200" b="1" dirty="0">
-                  <a:solidFill>
-                    <a:schemeClr val="tx1"/>
-                  </a:solidFill>
-                </a:rPr>
-                <a:t>Osiris</a:t>
-              </a:r>
-            </a:p>
-          </p:txBody>
-        </p:sp>
-        <p:sp>
-          <p:nvSpPr>
-            <p:cNvPr id="16" name="TextBox 15">
-              <a:extLst>
-                <a:ext uri="{FF2B5EF4-FFF2-40B4-BE49-F238E27FC236}">
-                  <a16:creationId xmlns:a16="http://schemas.microsoft.com/office/drawing/2014/main" id="{130F1997-708E-EAC1-05BD-FB1DAD087047}"/>
-                </a:ext>
-              </a:extLst>
-            </p:cNvPr>
-            <p:cNvSpPr txBox="1"/>
-            <p:nvPr/>
-          </p:nvSpPr>
-          <p:spPr>
-            <a:xfrm>
-              <a:off x="3322828" y="15637857"/>
-              <a:ext cx="2611585" cy="584775"/>
-            </a:xfrm>
-            <a:prstGeom prst="rect">
-              <a:avLst/>
-            </a:prstGeom>
-            <a:noFill/>
-          </p:spPr>
-          <p:txBody>
-            <a:bodyPr wrap="square" rtlCol="0">
-              <a:spAutoFit/>
-            </a:bodyPr>
-            <a:lstStyle/>
-            <a:p>
-              <a:r>
-                <a:rPr lang="en-US" sz="3200" b="1" dirty="0"/>
-                <a:t>United States</a:t>
-              </a:r>
-            </a:p>
-          </p:txBody>
-        </p:sp>
-        <p:sp>
-          <p:nvSpPr>
-            <p:cNvPr id="17" name="TextBox 16">
-              <a:extLst>
-                <a:ext uri="{FF2B5EF4-FFF2-40B4-BE49-F238E27FC236}">
-                  <a16:creationId xmlns:a16="http://schemas.microsoft.com/office/drawing/2014/main" id="{D89F4D51-81D8-E99B-60E0-1E20D2F52025}"/>
-                </a:ext>
-              </a:extLst>
-            </p:cNvPr>
-            <p:cNvSpPr txBox="1"/>
-            <p:nvPr/>
-          </p:nvSpPr>
-          <p:spPr>
-            <a:xfrm>
-              <a:off x="10001374" y="15669109"/>
-              <a:ext cx="1419524" cy="584775"/>
-            </a:xfrm>
-            <a:prstGeom prst="rect">
-              <a:avLst/>
-            </a:prstGeom>
-            <a:noFill/>
-          </p:spPr>
-          <p:txBody>
-            <a:bodyPr wrap="square" rtlCol="0">
-              <a:spAutoFit/>
-            </a:bodyPr>
-            <a:lstStyle/>
-            <a:p>
-              <a:r>
-                <a:rPr lang="en-US" sz="3200" b="1" dirty="0"/>
-                <a:t>Global</a:t>
-              </a:r>
-            </a:p>
-          </p:txBody>
-        </p:sp>
-      </p:grpSp>
+              </a:rPr>
+              <a:t>Osiris</a:t>
+            </a:r>
+          </a:p>
+        </p:txBody>
+      </p:sp>
     </p:spTree>
     <p:extLst>
       <p:ext uri="{BB962C8B-B14F-4D97-AF65-F5344CB8AC3E}">

--- a/paper/osiris_workflow.pptx
+++ b/paper/osiris_workflow.pptx
@@ -243,7 +243,7 @@
           <a:p>
             <a:fld id="{062C32FD-3345-49D3-8557-5864A615BC2F}" type="datetimeFigureOut">
               <a:rPr lang="en-US" smtClean="0"/>
-              <a:t>2/22/2023</a:t>
+              <a:t>2/23/2023</a:t>
             </a:fld>
             <a:endParaRPr lang="en-US"/>
           </a:p>
@@ -413,7 +413,7 @@
           <a:p>
             <a:fld id="{062C32FD-3345-49D3-8557-5864A615BC2F}" type="datetimeFigureOut">
               <a:rPr lang="en-US" smtClean="0"/>
-              <a:t>2/22/2023</a:t>
+              <a:t>2/23/2023</a:t>
             </a:fld>
             <a:endParaRPr lang="en-US"/>
           </a:p>
@@ -593,7 +593,7 @@
           <a:p>
             <a:fld id="{062C32FD-3345-49D3-8557-5864A615BC2F}" type="datetimeFigureOut">
               <a:rPr lang="en-US" smtClean="0"/>
-              <a:t>2/22/2023</a:t>
+              <a:t>2/23/2023</a:t>
             </a:fld>
             <a:endParaRPr lang="en-US"/>
           </a:p>
@@ -763,7 +763,7 @@
           <a:p>
             <a:fld id="{062C32FD-3345-49D3-8557-5864A615BC2F}" type="datetimeFigureOut">
               <a:rPr lang="en-US" smtClean="0"/>
-              <a:t>2/22/2023</a:t>
+              <a:t>2/23/2023</a:t>
             </a:fld>
             <a:endParaRPr lang="en-US"/>
           </a:p>
@@ -1009,7 +1009,7 @@
           <a:p>
             <a:fld id="{062C32FD-3345-49D3-8557-5864A615BC2F}" type="datetimeFigureOut">
               <a:rPr lang="en-US" smtClean="0"/>
-              <a:t>2/22/2023</a:t>
+              <a:t>2/23/2023</a:t>
             </a:fld>
             <a:endParaRPr lang="en-US"/>
           </a:p>
@@ -1241,7 +1241,7 @@
           <a:p>
             <a:fld id="{062C32FD-3345-49D3-8557-5864A615BC2F}" type="datetimeFigureOut">
               <a:rPr lang="en-US" smtClean="0"/>
-              <a:t>2/22/2023</a:t>
+              <a:t>2/23/2023</a:t>
             </a:fld>
             <a:endParaRPr lang="en-US"/>
           </a:p>
@@ -1608,7 +1608,7 @@
           <a:p>
             <a:fld id="{062C32FD-3345-49D3-8557-5864A615BC2F}" type="datetimeFigureOut">
               <a:rPr lang="en-US" smtClean="0"/>
-              <a:t>2/22/2023</a:t>
+              <a:t>2/23/2023</a:t>
             </a:fld>
             <a:endParaRPr lang="en-US"/>
           </a:p>
@@ -1726,7 +1726,7 @@
           <a:p>
             <a:fld id="{062C32FD-3345-49D3-8557-5864A615BC2F}" type="datetimeFigureOut">
               <a:rPr lang="en-US" smtClean="0"/>
-              <a:t>2/22/2023</a:t>
+              <a:t>2/23/2023</a:t>
             </a:fld>
             <a:endParaRPr lang="en-US"/>
           </a:p>
@@ -1821,7 +1821,7 @@
           <a:p>
             <a:fld id="{062C32FD-3345-49D3-8557-5864A615BC2F}" type="datetimeFigureOut">
               <a:rPr lang="en-US" smtClean="0"/>
-              <a:t>2/22/2023</a:t>
+              <a:t>2/23/2023</a:t>
             </a:fld>
             <a:endParaRPr lang="en-US"/>
           </a:p>
@@ -2098,7 +2098,7 @@
           <a:p>
             <a:fld id="{062C32FD-3345-49D3-8557-5864A615BC2F}" type="datetimeFigureOut">
               <a:rPr lang="en-US" smtClean="0"/>
-              <a:t>2/22/2023</a:t>
+              <a:t>2/23/2023</a:t>
             </a:fld>
             <a:endParaRPr lang="en-US"/>
           </a:p>
@@ -2355,7 +2355,7 @@
           <a:p>
             <a:fld id="{062C32FD-3345-49D3-8557-5864A615BC2F}" type="datetimeFigureOut">
               <a:rPr lang="en-US" smtClean="0"/>
-              <a:t>2/22/2023</a:t>
+              <a:t>2/23/2023</a:t>
             </a:fld>
             <a:endParaRPr lang="en-US"/>
           </a:p>
@@ -2568,7 +2568,7 @@
           <a:p>
             <a:fld id="{062C32FD-3345-49D3-8557-5864A615BC2F}" type="datetimeFigureOut">
               <a:rPr lang="en-US" smtClean="0"/>
-              <a:t>2/22/2023</a:t>
+              <a:t>2/23/2023</a:t>
             </a:fld>
             <a:endParaRPr lang="en-US"/>
           </a:p>
@@ -2987,8 +2987,8 @@
         </p:nvSpPr>
         <p:spPr>
           <a:xfrm>
-            <a:off x="124185" y="997863"/>
-            <a:ext cx="4756184" cy="2111540"/>
+            <a:off x="115422" y="964675"/>
+            <a:ext cx="4773710" cy="2006996"/>
           </a:xfrm>
           <a:prstGeom prst="roundRect">
             <a:avLst/>
@@ -3022,7 +3022,7 @@
           <a:p>
             <a:pPr algn="ctr"/>
             <a:r>
-              <a:rPr lang="en-US" sz="2400" b="1" dirty="0"/>
+              <a:rPr lang="en-US" sz="2800" b="1" dirty="0"/>
               <a:t>Monthly Temperature and Precipitation at 0.5-deg</a:t>
             </a:r>
           </a:p>
@@ -3062,7 +3062,7 @@
         </p:nvSpPr>
         <p:spPr>
           <a:xfrm>
-            <a:off x="5634370" y="1378981"/>
+            <a:off x="5634370" y="1293521"/>
             <a:ext cx="3583450" cy="1349304"/>
           </a:xfrm>
           <a:prstGeom prst="roundRect">
@@ -3097,10 +3097,10 @@
           <a:p>
             <a:pPr algn="ctr"/>
             <a:r>
-              <a:rPr lang="en-US" sz="2400" b="1" dirty="0"/>
+              <a:rPr lang="en-US" sz="2800" b="1" dirty="0"/>
               <a:t>Agricultural Productivity Change</a:t>
             </a:r>
-            <a:endParaRPr lang="en-US" dirty="0"/>
+            <a:endParaRPr lang="en-US" sz="2000" dirty="0"/>
           </a:p>
         </p:txBody>
       </p:sp>
@@ -3118,7 +3118,7 @@
         </p:nvSpPr>
         <p:spPr>
           <a:xfrm>
-            <a:off x="9941795" y="1378981"/>
+            <a:off x="9941795" y="1293521"/>
             <a:ext cx="3210346" cy="1349304"/>
           </a:xfrm>
           <a:prstGeom prst="roundRect">
@@ -3153,9 +3153,10 @@
           <a:p>
             <a:pPr algn="ctr"/>
             <a:r>
-              <a:rPr lang="en-US" sz="2400" b="1" dirty="0"/>
+              <a:rPr lang="en-US" sz="2800" b="1" dirty="0"/>
               <a:t>GCAM</a:t>
             </a:r>
+            <a:endParaRPr lang="en-US" sz="2400" b="1" dirty="0"/>
           </a:p>
           <a:p>
             <a:pPr algn="ctr"/>
@@ -3184,8 +3185,8 @@
         </p:nvCxnSpPr>
         <p:spPr>
           <a:xfrm>
-            <a:off x="4880374" y="2053633"/>
-            <a:ext cx="753997" cy="0"/>
+            <a:off x="4889132" y="1968173"/>
+            <a:ext cx="745238" cy="0"/>
           </a:xfrm>
           <a:prstGeom prst="straightConnector1">
             <a:avLst/>
@@ -3230,7 +3231,7 @@
         </p:nvCxnSpPr>
         <p:spPr>
           <a:xfrm flipV="1">
-            <a:off x="9217819" y="2053633"/>
+            <a:off x="9217819" y="1968173"/>
             <a:ext cx="723976" cy="0"/>
           </a:xfrm>
           <a:prstGeom prst="bentConnector3">
@@ -3274,7 +3275,7 @@
         </p:nvSpPr>
         <p:spPr>
           <a:xfrm>
-            <a:off x="1408538" y="59968"/>
+            <a:off x="1408538" y="188157"/>
             <a:ext cx="2187478" cy="532983"/>
           </a:xfrm>
           <a:prstGeom prst="flowChartProcess">
@@ -3330,7 +3331,7 @@
         </p:nvSpPr>
         <p:spPr>
           <a:xfrm>
-            <a:off x="6332354" y="59968"/>
+            <a:off x="6332354" y="188157"/>
             <a:ext cx="2187478" cy="532983"/>
           </a:xfrm>
           <a:prstGeom prst="flowChartProcess">
@@ -3362,13 +3363,18 @@
           <a:p>
             <a:pPr algn="ctr"/>
             <a:r>
-              <a:rPr lang="en-US" sz="3199" b="1" dirty="0">
+              <a:rPr lang="en-US" sz="3199" b="1" dirty="0" err="1">
                 <a:solidFill>
                   <a:schemeClr val="tx1"/>
                 </a:solidFill>
               </a:rPr>
-              <a:t>Osiris</a:t>
-            </a:r>
+              <a:t>osiris</a:t>
+            </a:r>
+            <a:endParaRPr lang="en-US" sz="3199" b="1" dirty="0">
+              <a:solidFill>
+                <a:schemeClr val="tx1"/>
+              </a:solidFill>
+            </a:endParaRPr>
           </a:p>
         </p:txBody>
       </p:sp>

--- a/paper/osiris_workflow.pptx
+++ b/paper/osiris_workflow.pptx
@@ -243,7 +243,7 @@
           <a:p>
             <a:fld id="{062C32FD-3345-49D3-8557-5864A615BC2F}" type="datetimeFigureOut">
               <a:rPr lang="en-US" smtClean="0"/>
-              <a:t>2/23/2023</a:t>
+              <a:t>5/12/2023</a:t>
             </a:fld>
             <a:endParaRPr lang="en-US"/>
           </a:p>
@@ -413,7 +413,7 @@
           <a:p>
             <a:fld id="{062C32FD-3345-49D3-8557-5864A615BC2F}" type="datetimeFigureOut">
               <a:rPr lang="en-US" smtClean="0"/>
-              <a:t>2/23/2023</a:t>
+              <a:t>5/12/2023</a:t>
             </a:fld>
             <a:endParaRPr lang="en-US"/>
           </a:p>
@@ -593,7 +593,7 @@
           <a:p>
             <a:fld id="{062C32FD-3345-49D3-8557-5864A615BC2F}" type="datetimeFigureOut">
               <a:rPr lang="en-US" smtClean="0"/>
-              <a:t>2/23/2023</a:t>
+              <a:t>5/12/2023</a:t>
             </a:fld>
             <a:endParaRPr lang="en-US"/>
           </a:p>
@@ -763,7 +763,7 @@
           <a:p>
             <a:fld id="{062C32FD-3345-49D3-8557-5864A615BC2F}" type="datetimeFigureOut">
               <a:rPr lang="en-US" smtClean="0"/>
-              <a:t>2/23/2023</a:t>
+              <a:t>5/12/2023</a:t>
             </a:fld>
             <a:endParaRPr lang="en-US"/>
           </a:p>
@@ -1009,7 +1009,7 @@
           <a:p>
             <a:fld id="{062C32FD-3345-49D3-8557-5864A615BC2F}" type="datetimeFigureOut">
               <a:rPr lang="en-US" smtClean="0"/>
-              <a:t>2/23/2023</a:t>
+              <a:t>5/12/2023</a:t>
             </a:fld>
             <a:endParaRPr lang="en-US"/>
           </a:p>
@@ -1241,7 +1241,7 @@
           <a:p>
             <a:fld id="{062C32FD-3345-49D3-8557-5864A615BC2F}" type="datetimeFigureOut">
               <a:rPr lang="en-US" smtClean="0"/>
-              <a:t>2/23/2023</a:t>
+              <a:t>5/12/2023</a:t>
             </a:fld>
             <a:endParaRPr lang="en-US"/>
           </a:p>
@@ -1608,7 +1608,7 @@
           <a:p>
             <a:fld id="{062C32FD-3345-49D3-8557-5864A615BC2F}" type="datetimeFigureOut">
               <a:rPr lang="en-US" smtClean="0"/>
-              <a:t>2/23/2023</a:t>
+              <a:t>5/12/2023</a:t>
             </a:fld>
             <a:endParaRPr lang="en-US"/>
           </a:p>
@@ -1726,7 +1726,7 @@
           <a:p>
             <a:fld id="{062C32FD-3345-49D3-8557-5864A615BC2F}" type="datetimeFigureOut">
               <a:rPr lang="en-US" smtClean="0"/>
-              <a:t>2/23/2023</a:t>
+              <a:t>5/12/2023</a:t>
             </a:fld>
             <a:endParaRPr lang="en-US"/>
           </a:p>
@@ -1821,7 +1821,7 @@
           <a:p>
             <a:fld id="{062C32FD-3345-49D3-8557-5864A615BC2F}" type="datetimeFigureOut">
               <a:rPr lang="en-US" smtClean="0"/>
-              <a:t>2/23/2023</a:t>
+              <a:t>5/12/2023</a:t>
             </a:fld>
             <a:endParaRPr lang="en-US"/>
           </a:p>
@@ -2098,7 +2098,7 @@
           <a:p>
             <a:fld id="{062C32FD-3345-49D3-8557-5864A615BC2F}" type="datetimeFigureOut">
               <a:rPr lang="en-US" smtClean="0"/>
-              <a:t>2/23/2023</a:t>
+              <a:t>5/12/2023</a:t>
             </a:fld>
             <a:endParaRPr lang="en-US"/>
           </a:p>
@@ -2355,7 +2355,7 @@
           <a:p>
             <a:fld id="{062C32FD-3345-49D3-8557-5864A615BC2F}" type="datetimeFigureOut">
               <a:rPr lang="en-US" smtClean="0"/>
-              <a:t>2/23/2023</a:t>
+              <a:t>5/12/2023</a:t>
             </a:fld>
             <a:endParaRPr lang="en-US"/>
           </a:p>
@@ -2568,7 +2568,7 @@
           <a:p>
             <a:fld id="{062C32FD-3345-49D3-8557-5864A615BC2F}" type="datetimeFigureOut">
               <a:rPr lang="en-US" smtClean="0"/>
-              <a:t>2/23/2023</a:t>
+              <a:t>5/12/2023</a:t>
             </a:fld>
             <a:endParaRPr lang="en-US"/>
           </a:p>
@@ -3023,7 +3023,7 @@
             <a:pPr algn="ctr"/>
             <a:r>
               <a:rPr lang="en-US" sz="2800" b="1" dirty="0"/>
-              <a:t>Monthly Temperature and Precipitation at 0.5-deg</a:t>
+              <a:t>Gridded Temperature and Precipitation</a:t>
             </a:r>
           </a:p>
           <a:p>
